--- a/materials/slides/ch04-cssBasic.pptx
+++ b/materials/slides/ch04-cssBasic.pptx
@@ -5749,7 +5749,7 @@
               <a:rPr lang="zh-CN" altLang="en-US">
                 <a:sym typeface="+mn-ea"/>
               </a:rPr>
-              <a:t>规定该选择器定义的样式将</a:t>
+              <a:t>规定该选择器定义的样式将对</a:t>
             </a:r>
             <a:r>
               <a:rPr lang="zh-CN" altLang="en-US">
@@ -5758,7 +5758,13 @@
                 </a:solidFill>
                 <a:sym typeface="+mn-ea"/>
               </a:rPr>
-              <a:t>对哪些元素生效</a:t>
+              <a:t>哪些元素</a:t>
+            </a:r>
+            <a:r>
+              <a:rPr lang="zh-CN" altLang="en-US">
+                <a:sym typeface="+mn-ea"/>
+              </a:rPr>
+              <a:t>生效</a:t>
             </a:r>
             <a:endParaRPr lang="zh-CN" altLang="en-US">
               <a:solidFill>
@@ -6394,7 +6400,7 @@
                             </p:stCondLst>
                             <p:childTnLst>
                               <p:par>
-                                <p:cTn id="5" presetID="42" presetClass="entr" presetSubtype="0" fill="hold" nodeType="clickEffect">
+                                <p:cTn id="5" presetID="2" presetClass="entr" presetSubtype="4" fill="hold" nodeType="clickEffect">
                                   <p:stCondLst>
                                     <p:cond delay="0"/>
                                   </p:stCondLst>
@@ -6402,6 +6408,109 @@
                                     <p:set>
                                       <p:cBhvr>
                                         <p:cTn id="6" dur="1" fill="hold">
+                                          <p:stCondLst>
+                                            <p:cond delay="0"/>
+                                          </p:stCondLst>
+                                        </p:cTn>
+                                        <p:tgtEl>
+                                          <p:spTgt spid="3">
+                                            <p:txEl>
+                                              <p:pRg st="1" end="1"/>
+                                            </p:txEl>
+                                          </p:spTgt>
+                                        </p:tgtEl>
+                                        <p:attrNameLst>
+                                          <p:attrName>style.visibility</p:attrName>
+                                        </p:attrNameLst>
+                                      </p:cBhvr>
+                                      <p:to>
+                                        <p:strVal val="visible"/>
+                                      </p:to>
+                                    </p:set>
+                                    <p:anim calcmode="lin" valueType="num">
+                                      <p:cBhvr additive="base">
+                                        <p:cTn id="7" dur="500" fill="hold"/>
+                                        <p:tgtEl>
+                                          <p:spTgt spid="3">
+                                            <p:txEl>
+                                              <p:pRg st="1" end="1"/>
+                                            </p:txEl>
+                                          </p:spTgt>
+                                        </p:tgtEl>
+                                        <p:attrNameLst>
+                                          <p:attrName>ppt_x</p:attrName>
+                                        </p:attrNameLst>
+                                      </p:cBhvr>
+                                      <p:tavLst>
+                                        <p:tav tm="0">
+                                          <p:val>
+                                            <p:strVal val="#ppt_x"/>
+                                          </p:val>
+                                        </p:tav>
+                                        <p:tav tm="100000">
+                                          <p:val>
+                                            <p:strVal val="#ppt_x"/>
+                                          </p:val>
+                                        </p:tav>
+                                      </p:tavLst>
+                                    </p:anim>
+                                    <p:anim calcmode="lin" valueType="num">
+                                      <p:cBhvr additive="base">
+                                        <p:cTn id="8" dur="500" fill="hold"/>
+                                        <p:tgtEl>
+                                          <p:spTgt spid="3">
+                                            <p:txEl>
+                                              <p:pRg st="1" end="1"/>
+                                            </p:txEl>
+                                          </p:spTgt>
+                                        </p:tgtEl>
+                                        <p:attrNameLst>
+                                          <p:attrName>ppt_y</p:attrName>
+                                        </p:attrNameLst>
+                                      </p:cBhvr>
+                                      <p:tavLst>
+                                        <p:tav tm="0">
+                                          <p:val>
+                                            <p:strVal val="1+#ppt_h/2"/>
+                                          </p:val>
+                                        </p:tav>
+                                        <p:tav tm="100000">
+                                          <p:val>
+                                            <p:strVal val="#ppt_y"/>
+                                          </p:val>
+                                        </p:tav>
+                                      </p:tavLst>
+                                    </p:anim>
+                                  </p:childTnLst>
+                                </p:cTn>
+                              </p:par>
+                            </p:childTnLst>
+                          </p:cTn>
+                        </p:par>
+                      </p:childTnLst>
+                    </p:cTn>
+                  </p:par>
+                  <p:par>
+                    <p:cTn id="9" fill="hold">
+                      <p:stCondLst>
+                        <p:cond delay="indefinite"/>
+                      </p:stCondLst>
+                      <p:childTnLst>
+                        <p:par>
+                          <p:cTn id="10" fill="hold">
+                            <p:stCondLst>
+                              <p:cond delay="0"/>
+                            </p:stCondLst>
+                            <p:childTnLst>
+                              <p:par>
+                                <p:cTn id="11" presetID="42" presetClass="entr" presetSubtype="0" fill="hold" nodeType="clickEffect">
+                                  <p:stCondLst>
+                                    <p:cond delay="0"/>
+                                  </p:stCondLst>
+                                  <p:childTnLst>
+                                    <p:set>
+                                      <p:cBhvr>
+                                        <p:cTn id="12" dur="1" fill="hold">
                                           <p:stCondLst>
                                             <p:cond delay="0"/>
                                           </p:stCondLst>
@@ -6419,7 +6528,7 @@
                                     </p:set>
                                     <p:animEffect transition="in" filter="fade">
                                       <p:cBhvr>
-                                        <p:cTn id="7" dur="1000"/>
+                                        <p:cTn id="13" dur="1000"/>
                                         <p:tgtEl>
                                           <p:spTgt spid="9"/>
                                         </p:tgtEl>
@@ -6427,7 +6536,7 @@
                                     </p:animEffect>
                                     <p:anim calcmode="lin" valueType="num">
                                       <p:cBhvr>
-                                        <p:cTn id="8" dur="1000" fill="hold"/>
+                                        <p:cTn id="14" dur="1000" fill="hold"/>
                                         <p:tgtEl>
                                           <p:spTgt spid="9"/>
                                         </p:tgtEl>
@@ -6450,7 +6559,7 @@
                                     </p:anim>
                                     <p:anim calcmode="lin" valueType="num">
                                       <p:cBhvr>
-                                        <p:cTn id="9" dur="1000" fill="hold"/>
+                                        <p:cTn id="15" dur="1000" fill="hold"/>
                                         <p:tgtEl>
                                           <p:spTgt spid="9"/>
                                         </p:tgtEl>
@@ -6475,14 +6584,14 @@
                                 </p:cTn>
                               </p:par>
                               <p:par>
-                                <p:cTn id="10" presetID="42" presetClass="entr" presetSubtype="0" fill="hold" nodeType="withEffect">
+                                <p:cTn id="16" presetID="42" presetClass="entr" presetSubtype="0" fill="hold" nodeType="withEffect">
                                   <p:stCondLst>
                                     <p:cond delay="0"/>
                                   </p:stCondLst>
                                   <p:childTnLst>
                                     <p:set>
                                       <p:cBhvr>
-                                        <p:cTn id="11" dur="1" fill="hold">
+                                        <p:cTn id="17" dur="1" fill="hold">
                                           <p:stCondLst>
                                             <p:cond delay="0"/>
                                           </p:stCondLst>
@@ -6500,7 +6609,7 @@
                                     </p:set>
                                     <p:animEffect transition="in" filter="fade">
                                       <p:cBhvr>
-                                        <p:cTn id="12" dur="1000"/>
+                                        <p:cTn id="18" dur="1000"/>
                                         <p:tgtEl>
                                           <p:spTgt spid="19"/>
                                         </p:tgtEl>
@@ -6508,7 +6617,7 @@
                                     </p:animEffect>
                                     <p:anim calcmode="lin" valueType="num">
                                       <p:cBhvr>
-                                        <p:cTn id="13" dur="1000" fill="hold"/>
+                                        <p:cTn id="19" dur="1000" fill="hold"/>
                                         <p:tgtEl>
                                           <p:spTgt spid="19"/>
                                         </p:tgtEl>
@@ -6531,7 +6640,7 @@
                                     </p:anim>
                                     <p:anim calcmode="lin" valueType="num">
                                       <p:cBhvr>
-                                        <p:cTn id="14" dur="1000" fill="hold"/>
+                                        <p:cTn id="20" dur="1000" fill="hold"/>
                                         <p:tgtEl>
                                           <p:spTgt spid="19"/>
                                         </p:tgtEl>
@@ -6556,14 +6665,14 @@
                                 </p:cTn>
                               </p:par>
                               <p:par>
-                                <p:cTn id="15" presetID="42" presetClass="entr" presetSubtype="0" fill="hold" nodeType="withEffect">
+                                <p:cTn id="21" presetID="42" presetClass="entr" presetSubtype="0" fill="hold" nodeType="withEffect">
                                   <p:stCondLst>
                                     <p:cond delay="0"/>
                                   </p:stCondLst>
                                   <p:childTnLst>
                                     <p:set>
                                       <p:cBhvr>
-                                        <p:cTn id="16" dur="1" fill="hold">
+                                        <p:cTn id="22" dur="1" fill="hold">
                                           <p:stCondLst>
                                             <p:cond delay="0"/>
                                           </p:stCondLst>
@@ -6581,7 +6690,7 @@
                                     </p:set>
                                     <p:animEffect transition="in" filter="fade">
                                       <p:cBhvr>
-                                        <p:cTn id="17" dur="1000"/>
+                                        <p:cTn id="23" dur="1000"/>
                                         <p:tgtEl>
                                           <p:spTgt spid="1026"/>
                                         </p:tgtEl>
@@ -6589,7 +6698,7 @@
                                     </p:animEffect>
                                     <p:anim calcmode="lin" valueType="num">
                                       <p:cBhvr>
-                                        <p:cTn id="18" dur="1000" fill="hold"/>
+                                        <p:cTn id="24" dur="1000" fill="hold"/>
                                         <p:tgtEl>
                                           <p:spTgt spid="1026"/>
                                         </p:tgtEl>
@@ -6612,7 +6721,7 @@
                                     </p:anim>
                                     <p:anim calcmode="lin" valueType="num">
                                       <p:cBhvr>
-                                        <p:cTn id="19" dur="1000" fill="hold"/>
+                                        <p:cTn id="25" dur="1000" fill="hold"/>
                                         <p:tgtEl>
                                           <p:spTgt spid="1026"/>
                                         </p:tgtEl>
@@ -6643,26 +6752,26 @@
                     </p:cTn>
                   </p:par>
                   <p:par>
-                    <p:cTn id="20" fill="hold">
+                    <p:cTn id="26" fill="hold">
                       <p:stCondLst>
                         <p:cond delay="indefinite"/>
                       </p:stCondLst>
                       <p:childTnLst>
                         <p:par>
-                          <p:cTn id="21" fill="hold">
+                          <p:cTn id="27" fill="hold">
                             <p:stCondLst>
                               <p:cond delay="0"/>
                             </p:stCondLst>
                             <p:childTnLst>
                               <p:par>
-                                <p:cTn id="22" presetID="42" presetClass="entr" presetSubtype="0" fill="hold" nodeType="clickEffect">
+                                <p:cTn id="28" presetID="42" presetClass="entr" presetSubtype="0" fill="hold" nodeType="clickEffect">
                                   <p:stCondLst>
                                     <p:cond delay="0"/>
                                   </p:stCondLst>
                                   <p:childTnLst>
                                     <p:set>
                                       <p:cBhvr>
-                                        <p:cTn id="23" dur="1" fill="hold">
+                                        <p:cTn id="29" dur="1" fill="hold">
                                           <p:stCondLst>
                                             <p:cond delay="0"/>
                                           </p:stCondLst>
@@ -6680,7 +6789,7 @@
                                     </p:set>
                                     <p:animEffect transition="in" filter="fade">
                                       <p:cBhvr>
-                                        <p:cTn id="24" dur="1000"/>
+                                        <p:cTn id="30" dur="1000"/>
                                         <p:tgtEl>
                                           <p:spTgt spid="8"/>
                                         </p:tgtEl>
@@ -6688,7 +6797,7 @@
                                     </p:animEffect>
                                     <p:anim calcmode="lin" valueType="num">
                                       <p:cBhvr>
-                                        <p:cTn id="25" dur="1000" fill="hold"/>
+                                        <p:cTn id="31" dur="1000" fill="hold"/>
                                         <p:tgtEl>
                                           <p:spTgt spid="8"/>
                                         </p:tgtEl>
@@ -6711,7 +6820,7 @@
                                     </p:anim>
                                     <p:anim calcmode="lin" valueType="num">
                                       <p:cBhvr>
-                                        <p:cTn id="26" dur="1000" fill="hold"/>
+                                        <p:cTn id="32" dur="1000" fill="hold"/>
                                         <p:tgtEl>
                                           <p:spTgt spid="8"/>
                                         </p:tgtEl>
@@ -6742,26 +6851,26 @@
                     </p:cTn>
                   </p:par>
                   <p:par>
-                    <p:cTn id="27" fill="hold">
+                    <p:cTn id="33" fill="hold">
                       <p:stCondLst>
                         <p:cond delay="indefinite"/>
                       </p:stCondLst>
                       <p:childTnLst>
                         <p:par>
-                          <p:cTn id="28" fill="hold">
+                          <p:cTn id="34" fill="hold">
                             <p:stCondLst>
                               <p:cond delay="0"/>
                             </p:stCondLst>
                             <p:childTnLst>
                               <p:par>
-                                <p:cTn id="29" presetID="22" presetClass="entr" presetSubtype="8" fill="hold" nodeType="clickEffect">
+                                <p:cTn id="35" presetID="22" presetClass="entr" presetSubtype="8" fill="hold" nodeType="clickEffect">
                                   <p:stCondLst>
                                     <p:cond delay="0"/>
                                   </p:stCondLst>
                                   <p:childTnLst>
                                     <p:set>
                                       <p:cBhvr>
-                                        <p:cTn id="30" dur="1" fill="hold">
+                                        <p:cTn id="36" dur="1" fill="hold">
                                           <p:stCondLst>
                                             <p:cond delay="0"/>
                                           </p:stCondLst>
@@ -6779,7 +6888,7 @@
                                     </p:set>
                                     <p:animEffect transition="in" filter="wipe(left)">
                                       <p:cBhvr>
-                                        <p:cTn id="31" dur="500"/>
+                                        <p:cTn id="37" dur="500"/>
                                         <p:tgtEl>
                                           <p:spTgt spid="12"/>
                                         </p:tgtEl>
@@ -6795,26 +6904,26 @@
                     </p:cTn>
                   </p:par>
                   <p:par>
-                    <p:cTn id="32" fill="hold">
+                    <p:cTn id="38" fill="hold">
                       <p:stCondLst>
                         <p:cond delay="indefinite"/>
                       </p:stCondLst>
                       <p:childTnLst>
                         <p:par>
-                          <p:cTn id="33" fill="hold">
+                          <p:cTn id="39" fill="hold">
                             <p:stCondLst>
                               <p:cond delay="0"/>
                             </p:stCondLst>
                             <p:childTnLst>
                               <p:par>
-                                <p:cTn id="34" presetID="1" presetClass="entr" presetSubtype="0" fill="hold" grpId="0" nodeType="clickEffect">
+                                <p:cTn id="40" presetID="1" presetClass="entr" presetSubtype="0" fill="hold" grpId="0" nodeType="clickEffect">
                                   <p:stCondLst>
                                     <p:cond delay="0"/>
                                   </p:stCondLst>
                                   <p:childTnLst>
                                     <p:set>
                                       <p:cBhvr>
-                                        <p:cTn id="35" dur="1" fill="hold">
+                                        <p:cTn id="41" dur="1" fill="hold">
                                           <p:stCondLst>
                                             <p:cond delay="0"/>
                                           </p:stCondLst>
@@ -15622,8 +15731,8 @@
         </p:nvSpPr>
         <p:spPr bwMode="auto">
           <a:xfrm>
-            <a:off x="1137854" y="2594766"/>
-            <a:ext cx="10534482" cy="794263"/>
+            <a:off x="1137920" y="2823210"/>
+            <a:ext cx="10534650" cy="565785"/>
           </a:xfrm>
           <a:prstGeom prst="rect">
             <a:avLst/>
@@ -23309,22 +23418,12 @@
               <a:r>
                 <a:rPr lang="en-US" altLang="zh-CN" sz="2800" dirty="0" smtClean="0">
                   <a:solidFill>
-                    <a:schemeClr val="tx1"/>
+                    <a:srgbClr val="595E64"/>
                   </a:solidFill>
                   <a:latin typeface="微软雅黑" panose="020B0503020204020204" pitchFamily="34" charset="-122"/>
                   <a:ea typeface="微软雅黑" panose="020B0503020204020204" pitchFamily="34" charset="-122"/>
                 </a:rPr>
-                <a:t>CSS</a:t>
-              </a:r>
-              <a:r>
-                <a:rPr lang="zh-CN" altLang="en-US" sz="2800" dirty="0" smtClean="0">
-                  <a:solidFill>
-                    <a:schemeClr val="tx1"/>
-                  </a:solidFill>
-                  <a:latin typeface="微软雅黑" panose="020B0503020204020204" pitchFamily="34" charset="-122"/>
-                  <a:ea typeface="微软雅黑" panose="020B0503020204020204" pitchFamily="34" charset="-122"/>
-                </a:rPr>
-                <a:t>简介</a:t>
+                <a:t>CSS简介</a:t>
               </a:r>
               <a:endParaRPr lang="zh-CN" altLang="en-US" sz="2800" dirty="0" smtClean="0">
                 <a:solidFill>
@@ -23360,22 +23459,12 @@
               <a:r>
                 <a:rPr lang="en-US" altLang="zh-CN" sz="2800" dirty="0" smtClean="0">
                   <a:solidFill>
-                    <a:schemeClr val="tx1"/>
+                    <a:srgbClr val="595E64"/>
                   </a:solidFill>
                   <a:latin typeface="微软雅黑" panose="020B0503020204020204" pitchFamily="34" charset="-122"/>
                   <a:ea typeface="微软雅黑" panose="020B0503020204020204" pitchFamily="34" charset="-122"/>
                 </a:rPr>
-                <a:t>CSS</a:t>
-              </a:r>
-              <a:r>
-                <a:rPr lang="zh-CN" altLang="en-US" sz="2800" dirty="0" smtClean="0">
-                  <a:solidFill>
-                    <a:schemeClr val="tx1"/>
-                  </a:solidFill>
-                  <a:latin typeface="微软雅黑" panose="020B0503020204020204" pitchFamily="34" charset="-122"/>
-                  <a:ea typeface="微软雅黑" panose="020B0503020204020204" pitchFamily="34" charset="-122"/>
-                </a:rPr>
-                <a:t>基础语法</a:t>
+                <a:t>CSS基础语法</a:t>
               </a:r>
               <a:endParaRPr lang="zh-CN" altLang="en-US" sz="2800" dirty="0" smtClean="0">
                 <a:solidFill>
@@ -24832,28 +24921,18 @@
             <a:lstStyle/>
             <a:p>
               <a:r>
-                <a:rPr lang="en-US" altLang="zh-CN" sz="2800" dirty="0">
+                <a:rPr lang="en-US" altLang="zh-CN" sz="2800" dirty="0" smtClean="0">
                   <a:solidFill>
-                    <a:schemeClr val="tx1"/>
+                    <a:srgbClr val="595E64"/>
                   </a:solidFill>
                   <a:latin typeface="微软雅黑" panose="020B0503020204020204" pitchFamily="34" charset="-122"/>
                   <a:ea typeface="微软雅黑" panose="020B0503020204020204" pitchFamily="34" charset="-122"/>
                 </a:rPr>
-                <a:t>CSS</a:t>
+                <a:t>CSS基础小结</a:t>
               </a:r>
-              <a:r>
-                <a:rPr lang="zh-CN" altLang="en-US" sz="2800" dirty="0">
-                  <a:solidFill>
-                    <a:schemeClr val="tx1"/>
-                  </a:solidFill>
-                  <a:latin typeface="微软雅黑" panose="020B0503020204020204" pitchFamily="34" charset="-122"/>
-                  <a:ea typeface="微软雅黑" panose="020B0503020204020204" pitchFamily="34" charset="-122"/>
-                </a:rPr>
-                <a:t>基础小结</a:t>
-              </a:r>
-              <a:endParaRPr lang="zh-CN" altLang="en-US" sz="2800" dirty="0">
-                <a:solidFill>
-                  <a:schemeClr val="tx1"/>
+              <a:endParaRPr lang="en-US" altLang="zh-CN" sz="2800" dirty="0" smtClean="0">
+                <a:solidFill>
+                  <a:srgbClr val="595E64"/>
                 </a:solidFill>
                 <a:latin typeface="微软雅黑" panose="020B0503020204020204" pitchFamily="34" charset="-122"/>
                 <a:ea typeface="微软雅黑" panose="020B0503020204020204" pitchFamily="34" charset="-122"/>
@@ -25031,22 +25110,12 @@
               <a:r>
                 <a:rPr lang="en-US" altLang="zh-CN" sz="2800" dirty="0" smtClean="0">
                   <a:solidFill>
-                    <a:schemeClr val="tx1"/>
+                    <a:srgbClr val="595E64"/>
                   </a:solidFill>
                   <a:latin typeface="微软雅黑" panose="020B0503020204020204" pitchFamily="34" charset="-122"/>
                   <a:ea typeface="微软雅黑" panose="020B0503020204020204" pitchFamily="34" charset="-122"/>
                 </a:rPr>
-                <a:t>CSS</a:t>
-              </a:r>
-              <a:r>
-                <a:rPr lang="zh-CN" altLang="en-US" sz="2800" dirty="0" smtClean="0">
-                  <a:solidFill>
-                    <a:schemeClr val="tx1"/>
-                  </a:solidFill>
-                  <a:latin typeface="微软雅黑" panose="020B0503020204020204" pitchFamily="34" charset="-122"/>
-                  <a:ea typeface="微软雅黑" panose="020B0503020204020204" pitchFamily="34" charset="-122"/>
-                </a:rPr>
-                <a:t>基础语法</a:t>
+                <a:t>CSS基础语法</a:t>
               </a:r>
               <a:endParaRPr lang="zh-CN" altLang="en-US" sz="2800" dirty="0" smtClean="0">
                 <a:solidFill>
@@ -30158,7 +30227,7 @@
             <a:r>
               <a:rPr>
                 <a:solidFill>
-                  <a:srgbClr val="FF0000"/>
+                  <a:schemeClr val="tx1"/>
                 </a:solidFill>
               </a:rPr>
               <a:t>CSS</a:t>
@@ -30166,14 +30235,14 @@
             <a:r>
               <a:rPr lang="zh-CN" altLang="en-US">
                 <a:solidFill>
-                  <a:srgbClr val="FF0000"/>
+                  <a:schemeClr val="tx1"/>
                 </a:solidFill>
               </a:rPr>
               <a:t>概述</a:t>
             </a:r>
             <a:endParaRPr lang="zh-CN" altLang="en-US">
               <a:solidFill>
-                <a:srgbClr val="FF0000"/>
+                <a:schemeClr val="tx1"/>
               </a:solidFill>
             </a:endParaRPr>
           </a:p>
@@ -33359,7 +33428,7 @@
                             </p:stCondLst>
                             <p:childTnLst>
                               <p:par>
-                                <p:cTn id="5" presetID="1" presetClass="entr" presetSubtype="0" fill="hold" grpId="0" nodeType="clickEffect">
+                                <p:cTn id="5" presetID="1" presetClass="entr" presetSubtype="0" fill="hold" nodeType="clickEffect">
                                   <p:stCondLst>
                                     <p:cond delay="0"/>
                                   </p:stCondLst>
@@ -33367,6 +33436,148 @@
                                     <p:set>
                                       <p:cBhvr>
                                         <p:cTn id="6" dur="1" fill="hold">
+                                          <p:stCondLst>
+                                            <p:cond delay="0"/>
+                                          </p:stCondLst>
+                                        </p:cTn>
+                                        <p:tgtEl>
+                                          <p:spTgt spid="3">
+                                            <p:txEl>
+                                              <p:pRg st="0" end="0"/>
+                                            </p:txEl>
+                                          </p:spTgt>
+                                        </p:tgtEl>
+                                        <p:attrNameLst>
+                                          <p:attrName>style.visibility</p:attrName>
+                                        </p:attrNameLst>
+                                      </p:cBhvr>
+                                      <p:to>
+                                        <p:strVal val="visible"/>
+                                      </p:to>
+                                    </p:set>
+                                  </p:childTnLst>
+                                </p:cTn>
+                              </p:par>
+                              <p:par>
+                                <p:cTn id="7" presetID="1" presetClass="entr" presetSubtype="0" fill="hold" nodeType="withEffect">
+                                  <p:stCondLst>
+                                    <p:cond delay="0"/>
+                                  </p:stCondLst>
+                                  <p:childTnLst>
+                                    <p:set>
+                                      <p:cBhvr>
+                                        <p:cTn id="8" dur="1" fill="hold">
+                                          <p:stCondLst>
+                                            <p:cond delay="0"/>
+                                          </p:stCondLst>
+                                        </p:cTn>
+                                        <p:tgtEl>
+                                          <p:spTgt spid="3">
+                                            <p:txEl>
+                                              <p:pRg st="1" end="1"/>
+                                            </p:txEl>
+                                          </p:spTgt>
+                                        </p:tgtEl>
+                                        <p:attrNameLst>
+                                          <p:attrName>style.visibility</p:attrName>
+                                        </p:attrNameLst>
+                                      </p:cBhvr>
+                                      <p:to>
+                                        <p:strVal val="visible"/>
+                                      </p:to>
+                                    </p:set>
+                                  </p:childTnLst>
+                                </p:cTn>
+                              </p:par>
+                              <p:par>
+                                <p:cTn id="9" presetID="1" presetClass="entr" presetSubtype="0" fill="hold" nodeType="withEffect">
+                                  <p:stCondLst>
+                                    <p:cond delay="0"/>
+                                  </p:stCondLst>
+                                  <p:childTnLst>
+                                    <p:set>
+                                      <p:cBhvr>
+                                        <p:cTn id="10" dur="1" fill="hold">
+                                          <p:stCondLst>
+                                            <p:cond delay="0"/>
+                                          </p:stCondLst>
+                                        </p:cTn>
+                                        <p:tgtEl>
+                                          <p:spTgt spid="3">
+                                            <p:txEl>
+                                              <p:pRg st="2" end="2"/>
+                                            </p:txEl>
+                                          </p:spTgt>
+                                        </p:tgtEl>
+                                        <p:attrNameLst>
+                                          <p:attrName>style.visibility</p:attrName>
+                                        </p:attrNameLst>
+                                      </p:cBhvr>
+                                      <p:to>
+                                        <p:strVal val="visible"/>
+                                      </p:to>
+                                    </p:set>
+                                  </p:childTnLst>
+                                </p:cTn>
+                              </p:par>
+                              <p:par>
+                                <p:cTn id="11" presetID="1" presetClass="entr" presetSubtype="0" fill="hold" nodeType="withEffect">
+                                  <p:stCondLst>
+                                    <p:cond delay="0"/>
+                                  </p:stCondLst>
+                                  <p:childTnLst>
+                                    <p:set>
+                                      <p:cBhvr>
+                                        <p:cTn id="12" dur="1" fill="hold">
+                                          <p:stCondLst>
+                                            <p:cond delay="0"/>
+                                          </p:stCondLst>
+                                        </p:cTn>
+                                        <p:tgtEl>
+                                          <p:spTgt spid="3">
+                                            <p:txEl>
+                                              <p:pRg st="3" end="3"/>
+                                            </p:txEl>
+                                          </p:spTgt>
+                                        </p:tgtEl>
+                                        <p:attrNameLst>
+                                          <p:attrName>style.visibility</p:attrName>
+                                        </p:attrNameLst>
+                                      </p:cBhvr>
+                                      <p:to>
+                                        <p:strVal val="visible"/>
+                                      </p:to>
+                                    </p:set>
+                                  </p:childTnLst>
+                                </p:cTn>
+                              </p:par>
+                            </p:childTnLst>
+                          </p:cTn>
+                        </p:par>
+                      </p:childTnLst>
+                    </p:cTn>
+                  </p:par>
+                  <p:par>
+                    <p:cTn id="13" fill="hold">
+                      <p:stCondLst>
+                        <p:cond delay="indefinite"/>
+                      </p:stCondLst>
+                      <p:childTnLst>
+                        <p:par>
+                          <p:cTn id="14" fill="hold">
+                            <p:stCondLst>
+                              <p:cond delay="0"/>
+                            </p:stCondLst>
+                            <p:childTnLst>
+                              <p:par>
+                                <p:cTn id="15" presetID="1" presetClass="entr" presetSubtype="0" fill="hold" grpId="0" nodeType="clickEffect">
+                                  <p:stCondLst>
+                                    <p:cond delay="0"/>
+                                  </p:stCondLst>
+                                  <p:childTnLst>
+                                    <p:set>
+                                      <p:cBhvr>
+                                        <p:cTn id="16" dur="1" fill="hold">
                                           <p:stCondLst>
                                             <p:cond delay="0"/>
                                           </p:stCondLst>
@@ -33392,26 +33603,26 @@
                     </p:cTn>
                   </p:par>
                   <p:par>
-                    <p:cTn id="7" fill="hold">
+                    <p:cTn id="17" fill="hold">
                       <p:stCondLst>
                         <p:cond delay="indefinite"/>
                       </p:stCondLst>
                       <p:childTnLst>
                         <p:par>
-                          <p:cTn id="8" fill="hold">
+                          <p:cTn id="18" fill="hold">
                             <p:stCondLst>
                               <p:cond delay="0"/>
                             </p:stCondLst>
                             <p:childTnLst>
                               <p:par>
-                                <p:cTn id="9" presetID="1" presetClass="entr" presetSubtype="0" fill="hold" grpId="0" nodeType="clickEffect">
+                                <p:cTn id="19" presetID="1" presetClass="entr" presetSubtype="0" fill="hold" grpId="0" nodeType="clickEffect">
                                   <p:stCondLst>
                                     <p:cond delay="0"/>
                                   </p:stCondLst>
                                   <p:childTnLst>
                                     <p:set>
                                       <p:cBhvr>
-                                        <p:cTn id="10" dur="1" fill="hold">
+                                        <p:cTn id="20" dur="1" fill="hold">
                                           <p:stCondLst>
                                             <p:cond delay="0"/>
                                           </p:stCondLst>
@@ -33437,26 +33648,26 @@
                     </p:cTn>
                   </p:par>
                   <p:par>
-                    <p:cTn id="11" fill="hold">
+                    <p:cTn id="21" fill="hold">
                       <p:stCondLst>
                         <p:cond delay="indefinite"/>
                       </p:stCondLst>
                       <p:childTnLst>
                         <p:par>
-                          <p:cTn id="12" fill="hold">
+                          <p:cTn id="22" fill="hold">
                             <p:stCondLst>
                               <p:cond delay="0"/>
                             </p:stCondLst>
                             <p:childTnLst>
                               <p:par>
-                                <p:cTn id="13" presetID="1" presetClass="entr" presetSubtype="0" fill="hold" grpId="0" nodeType="clickEffect">
+                                <p:cTn id="23" presetID="1" presetClass="entr" presetSubtype="0" fill="hold" grpId="0" nodeType="clickEffect">
                                   <p:stCondLst>
                                     <p:cond delay="0"/>
                                   </p:stCondLst>
                                   <p:childTnLst>
                                     <p:set>
                                       <p:cBhvr>
-                                        <p:cTn id="14" dur="1" fill="hold">
+                                        <p:cTn id="24" dur="1" fill="hold">
                                           <p:stCondLst>
                                             <p:cond delay="0"/>
                                           </p:stCondLst>
@@ -33482,77 +33693,32 @@
                     </p:cTn>
                   </p:par>
                   <p:par>
-                    <p:cTn id="15" fill="hold">
+                    <p:cTn id="25" fill="hold">
                       <p:stCondLst>
                         <p:cond delay="indefinite"/>
                       </p:stCondLst>
                       <p:childTnLst>
                         <p:par>
-                          <p:cTn id="16" fill="hold">
+                          <p:cTn id="26" fill="hold">
                             <p:stCondLst>
                               <p:cond delay="0"/>
                             </p:stCondLst>
                             <p:childTnLst>
                               <p:par>
-                                <p:cTn id="17" presetID="1" presetClass="entr" presetSubtype="0" fill="hold" grpId="0" nodeType="clickEffect">
+                                <p:cTn id="27" presetID="1" presetClass="entr" presetSubtype="0" fill="hold" grpId="0" nodeType="clickEffect">
                                   <p:stCondLst>
                                     <p:cond delay="0"/>
                                   </p:stCondLst>
                                   <p:childTnLst>
                                     <p:set>
                                       <p:cBhvr>
-                                        <p:cTn id="18" dur="1" fill="hold">
+                                        <p:cTn id="28" dur="1" fill="hold">
                                           <p:stCondLst>
                                             <p:cond delay="0"/>
                                           </p:stCondLst>
                                         </p:cTn>
                                         <p:tgtEl>
                                           <p:spTgt spid="9"/>
-                                        </p:tgtEl>
-                                        <p:attrNameLst>
-                                          <p:attrName>style.visibility</p:attrName>
-                                        </p:attrNameLst>
-                                      </p:cBhvr>
-                                      <p:to>
-                                        <p:strVal val="visible"/>
-                                      </p:to>
-                                    </p:set>
-                                  </p:childTnLst>
-                                </p:cTn>
-                              </p:par>
-                            </p:childTnLst>
-                          </p:cTn>
-                        </p:par>
-                      </p:childTnLst>
-                    </p:cTn>
-                  </p:par>
-                  <p:par>
-                    <p:cTn id="19" fill="hold">
-                      <p:stCondLst>
-                        <p:cond delay="indefinite"/>
-                      </p:stCondLst>
-                      <p:childTnLst>
-                        <p:par>
-                          <p:cTn id="20" fill="hold">
-                            <p:stCondLst>
-                              <p:cond delay="0"/>
-                            </p:stCondLst>
-                            <p:childTnLst>
-                              <p:par>
-                                <p:cTn id="21" presetID="1" presetClass="entr" presetSubtype="0" fill="hold" nodeType="clickEffect">
-                                  <p:stCondLst>
-                                    <p:cond delay="0"/>
-                                  </p:stCondLst>
-                                  <p:childTnLst>
-                                    <p:set>
-                                      <p:cBhvr>
-                                        <p:cTn id="22" dur="1" fill="hold">
-                                          <p:stCondLst>
-                                            <p:cond delay="0"/>
-                                          </p:stCondLst>
-                                        </p:cTn>
-                                        <p:tgtEl>
-                                          <p:spTgt spid="11"/>
                                         </p:tgtEl>
                                         <p:attrNameLst>
                                           <p:attrName>style.visibility</p:attrName>
@@ -33952,28 +34118,18 @@
             <a:lstStyle/>
             <a:p>
               <a:r>
-                <a:rPr lang="en-US" altLang="zh-CN" sz="2800" dirty="0">
+                <a:rPr lang="en-US" altLang="zh-CN" sz="2800" dirty="0" smtClean="0">
                   <a:solidFill>
-                    <a:schemeClr val="tx1"/>
+                    <a:srgbClr val="595E64"/>
                   </a:solidFill>
                   <a:latin typeface="微软雅黑" panose="020B0503020204020204" pitchFamily="34" charset="-122"/>
                   <a:ea typeface="微软雅黑" panose="020B0503020204020204" pitchFamily="34" charset="-122"/>
                 </a:rPr>
-                <a:t>CSS</a:t>
+                <a:t>CSS基础小结</a:t>
               </a:r>
-              <a:r>
-                <a:rPr lang="zh-CN" altLang="en-US" sz="2800" dirty="0">
-                  <a:solidFill>
-                    <a:schemeClr val="tx1"/>
-                  </a:solidFill>
-                  <a:latin typeface="微软雅黑" panose="020B0503020204020204" pitchFamily="34" charset="-122"/>
-                  <a:ea typeface="微软雅黑" panose="020B0503020204020204" pitchFamily="34" charset="-122"/>
-                </a:rPr>
-                <a:t>基础小结</a:t>
-              </a:r>
-              <a:endParaRPr lang="zh-CN" altLang="en-US" sz="2800" dirty="0">
-                <a:solidFill>
-                  <a:schemeClr val="tx1"/>
+              <a:endParaRPr lang="en-US" altLang="zh-CN" sz="2800" dirty="0" smtClean="0">
+                <a:solidFill>
+                  <a:srgbClr val="595E64"/>
                 </a:solidFill>
                 <a:latin typeface="微软雅黑" panose="020B0503020204020204" pitchFamily="34" charset="-122"/>
                 <a:ea typeface="微软雅黑" panose="020B0503020204020204" pitchFamily="34" charset="-122"/>
@@ -34100,22 +34256,12 @@
               <a:r>
                 <a:rPr lang="en-US" altLang="zh-CN" sz="2800" dirty="0" smtClean="0">
                   <a:solidFill>
-                    <a:schemeClr val="tx1"/>
+                    <a:srgbClr val="595E64"/>
                   </a:solidFill>
                   <a:latin typeface="微软雅黑" panose="020B0503020204020204" pitchFamily="34" charset="-122"/>
                   <a:ea typeface="微软雅黑" panose="020B0503020204020204" pitchFamily="34" charset="-122"/>
                 </a:rPr>
-                <a:t>CSS</a:t>
-              </a:r>
-              <a:r>
-                <a:rPr lang="zh-CN" altLang="en-US" sz="2800" dirty="0" smtClean="0">
-                  <a:solidFill>
-                    <a:schemeClr val="tx1"/>
-                  </a:solidFill>
-                  <a:latin typeface="微软雅黑" panose="020B0503020204020204" pitchFamily="34" charset="-122"/>
-                  <a:ea typeface="微软雅黑" panose="020B0503020204020204" pitchFamily="34" charset="-122"/>
-                </a:rPr>
-                <a:t>简介</a:t>
+                <a:t>CSS简介</a:t>
               </a:r>
               <a:endParaRPr lang="zh-CN" altLang="en-US" sz="2800" dirty="0" smtClean="0">
                 <a:solidFill>

--- a/materials/slides/ch04-cssBasic.pptx
+++ b/materials/slides/ch04-cssBasic.pptx
@@ -13,7 +13,7 @@
     <p:sldId id="584" r:id="rId5"/>
     <p:sldId id="590" r:id="rId6"/>
     <p:sldId id="591" r:id="rId8"/>
-    <p:sldId id="593" r:id="rId9"/>
+    <p:sldId id="669" r:id="rId9"/>
     <p:sldId id="634" r:id="rId10"/>
     <p:sldId id="597" r:id="rId11"/>
     <p:sldId id="594" r:id="rId12"/>
@@ -586,50 +586,6 @@
 </file>
 
 <file path=ppt/notesSlides/notesSlide3.xml><?xml version="1.0" encoding="utf-8"?>
-<p:notes xmlns:a="http://schemas.openxmlformats.org/drawingml/2006/main" xmlns:r="http://schemas.openxmlformats.org/officeDocument/2006/relationships" xmlns:p="http://schemas.openxmlformats.org/presentationml/2006/main">
-  <p:cSld>
-    <p:spTree>
-      <p:nvGrpSpPr>
-        <p:cNvPr id="1" name=""/>
-        <p:cNvGrpSpPr/>
-        <p:nvPr/>
-      </p:nvGrpSpPr>
-      <p:grpSpPr/>
-      <p:sp>
-        <p:nvSpPr>
-          <p:cNvPr id="2" name="幻灯片图像占位符 1"/>
-          <p:cNvSpPr/>
-          <p:nvPr>
-            <p:ph type="sldImg" idx="2"/>
-          </p:nvPr>
-        </p:nvSpPr>
-        <p:spPr/>
-      </p:sp>
-      <p:sp>
-        <p:nvSpPr>
-          <p:cNvPr id="3" name="文本占位符 2"/>
-          <p:cNvSpPr/>
-          <p:nvPr>
-            <p:ph type="body" idx="3"/>
-          </p:nvPr>
-        </p:nvSpPr>
-        <p:spPr/>
-        <p:txBody>
-          <a:bodyPr/>
-          <a:p>
-            <a:endParaRPr lang="zh-CN" altLang="en-US"/>
-          </a:p>
-        </p:txBody>
-      </p:sp>
-    </p:spTree>
-  </p:cSld>
-  <p:clrMapOvr>
-    <a:masterClrMapping/>
-  </p:clrMapOvr>
-</p:notes>
-</file>
-
-<file path=ppt/notesSlides/notesSlide4.xml><?xml version="1.0" encoding="utf-8"?>
 <p:notes xmlns:a="http://schemas.openxmlformats.org/drawingml/2006/main" xmlns:r="http://schemas.openxmlformats.org/officeDocument/2006/relationships" xmlns:p="http://schemas.openxmlformats.org/presentationml/2006/main">
   <p:cSld>
     <p:spTree>
@@ -5749,7 +5705,7 @@
               <a:rPr lang="zh-CN" altLang="en-US">
                 <a:sym typeface="+mn-ea"/>
               </a:rPr>
-              <a:t>规定该选择器定义的样式将对</a:t>
+              <a:t>规定该选择器定义的样式将</a:t>
             </a:r>
             <a:r>
               <a:rPr lang="zh-CN" altLang="en-US">
@@ -5758,13 +5714,7 @@
                 </a:solidFill>
                 <a:sym typeface="+mn-ea"/>
               </a:rPr>
-              <a:t>哪些元素</a:t>
-            </a:r>
-            <a:r>
-              <a:rPr lang="zh-CN" altLang="en-US">
-                <a:sym typeface="+mn-ea"/>
-              </a:rPr>
-              <a:t>生效</a:t>
+              <a:t>对哪些元素生效</a:t>
             </a:r>
             <a:endParaRPr lang="zh-CN" altLang="en-US">
               <a:solidFill>
@@ -5799,7 +5749,7 @@
                 </a:solidFill>
                 <a:sym typeface="+mn-ea"/>
               </a:rPr>
-              <a:t>选择器是</a:t>
+              <a:t>选择器是 </a:t>
             </a:r>
             <a:r>
               <a:rPr>
@@ -5808,7 +5758,7 @@
                 </a:solidFill>
                 <a:sym typeface="+mn-ea"/>
               </a:rPr>
-              <a:t>HTML</a:t>
+              <a:t>HTML </a:t>
             </a:r>
             <a:r>
               <a:rPr lang="zh-CN" altLang="en-US">
@@ -6366,6 +6316,41 @@
           </a:extLst>
         </p:spPr>
       </p:pic>
+      <p:sp>
+        <p:nvSpPr>
+          <p:cNvPr id="5" name="文本框 10"/>
+          <p:cNvSpPr txBox="1"/>
+          <p:nvPr/>
+        </p:nvSpPr>
+        <p:spPr>
+          <a:xfrm>
+            <a:off x="9360848" y="5830252"/>
+            <a:ext cx="2468245" cy="508000"/>
+          </a:xfrm>
+          <a:prstGeom prst="rect">
+            <a:avLst/>
+          </a:prstGeom>
+          <a:noFill/>
+        </p:spPr>
+        <p:txBody>
+          <a:bodyPr wrap="none" lIns="108850" tIns="54425" rIns="108850" bIns="54425" rtlCol="0">
+            <a:spAutoFit/>
+          </a:bodyPr>
+          <a:p>
+            <a:r>
+              <a:rPr lang="en-US" altLang="zh-CN" sz="2600" dirty="0" smtClean="0">
+                <a:latin typeface="微软雅黑" panose="020B0503020204020204" pitchFamily="34" charset="-122"/>
+                <a:ea typeface="微软雅黑" panose="020B0503020204020204" pitchFamily="34" charset="-122"/>
+              </a:rPr>
+              <a:t>demo4-1.html</a:t>
+            </a:r>
+            <a:endParaRPr lang="zh-CN" altLang="en-US" sz="2600" dirty="0">
+              <a:latin typeface="微软雅黑" panose="020B0503020204020204" pitchFamily="34" charset="-122"/>
+              <a:ea typeface="微软雅黑" panose="020B0503020204020204" pitchFamily="34" charset="-122"/>
+            </a:endParaRPr>
+          </a:p>
+        </p:txBody>
+      </p:sp>
     </p:spTree>
   </p:cSld>
   <p:clrMapOvr>
@@ -6400,7 +6385,7 @@
                             </p:stCondLst>
                             <p:childTnLst>
                               <p:par>
-                                <p:cTn id="5" presetID="2" presetClass="entr" presetSubtype="4" fill="hold" nodeType="clickEffect">
+                                <p:cTn id="5" presetID="22" presetClass="entr" presetSubtype="8" fill="hold" nodeType="clickEffect">
                                   <p:stCondLst>
                                     <p:cond delay="0"/>
                                   </p:stCondLst>
@@ -6427,9 +6412,9 @@
                                         <p:strVal val="visible"/>
                                       </p:to>
                                     </p:set>
-                                    <p:anim calcmode="lin" valueType="num">
-                                      <p:cBhvr additive="base">
-                                        <p:cTn id="7" dur="500" fill="hold"/>
+                                    <p:animEffect transition="in" filter="wipe(left)">
+                                      <p:cBhvr>
+                                        <p:cTn id="7" dur="500"/>
                                         <p:tgtEl>
                                           <p:spTgt spid="3">
                                             <p:txEl>
@@ -6437,50 +6422,8 @@
                                             </p:txEl>
                                           </p:spTgt>
                                         </p:tgtEl>
-                                        <p:attrNameLst>
-                                          <p:attrName>ppt_x</p:attrName>
-                                        </p:attrNameLst>
                                       </p:cBhvr>
-                                      <p:tavLst>
-                                        <p:tav tm="0">
-                                          <p:val>
-                                            <p:strVal val="#ppt_x"/>
-                                          </p:val>
-                                        </p:tav>
-                                        <p:tav tm="100000">
-                                          <p:val>
-                                            <p:strVal val="#ppt_x"/>
-                                          </p:val>
-                                        </p:tav>
-                                      </p:tavLst>
-                                    </p:anim>
-                                    <p:anim calcmode="lin" valueType="num">
-                                      <p:cBhvr additive="base">
-                                        <p:cTn id="8" dur="500" fill="hold"/>
-                                        <p:tgtEl>
-                                          <p:spTgt spid="3">
-                                            <p:txEl>
-                                              <p:pRg st="1" end="1"/>
-                                            </p:txEl>
-                                          </p:spTgt>
-                                        </p:tgtEl>
-                                        <p:attrNameLst>
-                                          <p:attrName>ppt_y</p:attrName>
-                                        </p:attrNameLst>
-                                      </p:cBhvr>
-                                      <p:tavLst>
-                                        <p:tav tm="0">
-                                          <p:val>
-                                            <p:strVal val="1+#ppt_h/2"/>
-                                          </p:val>
-                                        </p:tav>
-                                        <p:tav tm="100000">
-                                          <p:val>
-                                            <p:strVal val="#ppt_y"/>
-                                          </p:val>
-                                        </p:tav>
-                                      </p:tavLst>
-                                    </p:anim>
+                                    </p:animEffect>
                                   </p:childTnLst>
                                 </p:cTn>
                               </p:par>
@@ -6491,26 +6434,26 @@
                     </p:cTn>
                   </p:par>
                   <p:par>
-                    <p:cTn id="9" fill="hold">
+                    <p:cTn id="8" fill="hold">
                       <p:stCondLst>
                         <p:cond delay="indefinite"/>
                       </p:stCondLst>
                       <p:childTnLst>
                         <p:par>
-                          <p:cTn id="10" fill="hold">
+                          <p:cTn id="9" fill="hold">
                             <p:stCondLst>
                               <p:cond delay="0"/>
                             </p:stCondLst>
                             <p:childTnLst>
                               <p:par>
-                                <p:cTn id="11" presetID="42" presetClass="entr" presetSubtype="0" fill="hold" nodeType="clickEffect">
+                                <p:cTn id="10" presetID="42" presetClass="entr" presetSubtype="0" fill="hold" nodeType="clickEffect">
                                   <p:stCondLst>
                                     <p:cond delay="0"/>
                                   </p:stCondLst>
                                   <p:childTnLst>
                                     <p:set>
                                       <p:cBhvr>
-                                        <p:cTn id="12" dur="1" fill="hold">
+                                        <p:cTn id="11" dur="1" fill="hold">
                                           <p:stCondLst>
                                             <p:cond delay="0"/>
                                           </p:stCondLst>
@@ -6528,7 +6471,7 @@
                                     </p:set>
                                     <p:animEffect transition="in" filter="fade">
                                       <p:cBhvr>
-                                        <p:cTn id="13" dur="1000"/>
+                                        <p:cTn id="12" dur="1000"/>
                                         <p:tgtEl>
                                           <p:spTgt spid="9"/>
                                         </p:tgtEl>
@@ -6536,7 +6479,7 @@
                                     </p:animEffect>
                                     <p:anim calcmode="lin" valueType="num">
                                       <p:cBhvr>
-                                        <p:cTn id="14" dur="1000" fill="hold"/>
+                                        <p:cTn id="13" dur="1000" fill="hold"/>
                                         <p:tgtEl>
                                           <p:spTgt spid="9"/>
                                         </p:tgtEl>
@@ -6559,7 +6502,7 @@
                                     </p:anim>
                                     <p:anim calcmode="lin" valueType="num">
                                       <p:cBhvr>
-                                        <p:cTn id="15" dur="1000" fill="hold"/>
+                                        <p:cTn id="14" dur="1000" fill="hold"/>
                                         <p:tgtEl>
                                           <p:spTgt spid="9"/>
                                         </p:tgtEl>
@@ -6584,14 +6527,14 @@
                                 </p:cTn>
                               </p:par>
                               <p:par>
-                                <p:cTn id="16" presetID="42" presetClass="entr" presetSubtype="0" fill="hold" nodeType="withEffect">
+                                <p:cTn id="15" presetID="42" presetClass="entr" presetSubtype="0" fill="hold" nodeType="withEffect">
                                   <p:stCondLst>
                                     <p:cond delay="0"/>
                                   </p:stCondLst>
                                   <p:childTnLst>
                                     <p:set>
                                       <p:cBhvr>
-                                        <p:cTn id="17" dur="1" fill="hold">
+                                        <p:cTn id="16" dur="1" fill="hold">
                                           <p:stCondLst>
                                             <p:cond delay="0"/>
                                           </p:stCondLst>
@@ -6609,7 +6552,7 @@
                                     </p:set>
                                     <p:animEffect transition="in" filter="fade">
                                       <p:cBhvr>
-                                        <p:cTn id="18" dur="1000"/>
+                                        <p:cTn id="17" dur="1000"/>
                                         <p:tgtEl>
                                           <p:spTgt spid="19"/>
                                         </p:tgtEl>
@@ -6617,7 +6560,7 @@
                                     </p:animEffect>
                                     <p:anim calcmode="lin" valueType="num">
                                       <p:cBhvr>
-                                        <p:cTn id="19" dur="1000" fill="hold"/>
+                                        <p:cTn id="18" dur="1000" fill="hold"/>
                                         <p:tgtEl>
                                           <p:spTgt spid="19"/>
                                         </p:tgtEl>
@@ -6640,7 +6583,7 @@
                                     </p:anim>
                                     <p:anim calcmode="lin" valueType="num">
                                       <p:cBhvr>
-                                        <p:cTn id="20" dur="1000" fill="hold"/>
+                                        <p:cTn id="19" dur="1000" fill="hold"/>
                                         <p:tgtEl>
                                           <p:spTgt spid="19"/>
                                         </p:tgtEl>
@@ -6665,14 +6608,14 @@
                                 </p:cTn>
                               </p:par>
                               <p:par>
-                                <p:cTn id="21" presetID="42" presetClass="entr" presetSubtype="0" fill="hold" nodeType="withEffect">
+                                <p:cTn id="20" presetID="42" presetClass="entr" presetSubtype="0" fill="hold" nodeType="withEffect">
                                   <p:stCondLst>
                                     <p:cond delay="0"/>
                                   </p:stCondLst>
                                   <p:childTnLst>
                                     <p:set>
                                       <p:cBhvr>
-                                        <p:cTn id="22" dur="1" fill="hold">
+                                        <p:cTn id="21" dur="1" fill="hold">
                                           <p:stCondLst>
                                             <p:cond delay="0"/>
                                           </p:stCondLst>
@@ -6690,7 +6633,7 @@
                                     </p:set>
                                     <p:animEffect transition="in" filter="fade">
                                       <p:cBhvr>
-                                        <p:cTn id="23" dur="1000"/>
+                                        <p:cTn id="22" dur="1000"/>
                                         <p:tgtEl>
                                           <p:spTgt spid="1026"/>
                                         </p:tgtEl>
@@ -6698,7 +6641,7 @@
                                     </p:animEffect>
                                     <p:anim calcmode="lin" valueType="num">
                                       <p:cBhvr>
-                                        <p:cTn id="24" dur="1000" fill="hold"/>
+                                        <p:cTn id="23" dur="1000" fill="hold"/>
                                         <p:tgtEl>
                                           <p:spTgt spid="1026"/>
                                         </p:tgtEl>
@@ -6721,7 +6664,7 @@
                                     </p:anim>
                                     <p:anim calcmode="lin" valueType="num">
                                       <p:cBhvr>
-                                        <p:cTn id="25" dur="1000" fill="hold"/>
+                                        <p:cTn id="24" dur="1000" fill="hold"/>
                                         <p:tgtEl>
                                           <p:spTgt spid="1026"/>
                                         </p:tgtEl>
@@ -6752,26 +6695,26 @@
                     </p:cTn>
                   </p:par>
                   <p:par>
-                    <p:cTn id="26" fill="hold">
+                    <p:cTn id="25" fill="hold">
                       <p:stCondLst>
                         <p:cond delay="indefinite"/>
                       </p:stCondLst>
                       <p:childTnLst>
                         <p:par>
-                          <p:cTn id="27" fill="hold">
+                          <p:cTn id="26" fill="hold">
                             <p:stCondLst>
                               <p:cond delay="0"/>
                             </p:stCondLst>
                             <p:childTnLst>
                               <p:par>
-                                <p:cTn id="28" presetID="42" presetClass="entr" presetSubtype="0" fill="hold" nodeType="clickEffect">
+                                <p:cTn id="27" presetID="42" presetClass="entr" presetSubtype="0" fill="hold" nodeType="clickEffect">
                                   <p:stCondLst>
                                     <p:cond delay="0"/>
                                   </p:stCondLst>
                                   <p:childTnLst>
                                     <p:set>
                                       <p:cBhvr>
-                                        <p:cTn id="29" dur="1" fill="hold">
+                                        <p:cTn id="28" dur="1" fill="hold">
                                           <p:stCondLst>
                                             <p:cond delay="0"/>
                                           </p:stCondLst>
@@ -6789,7 +6732,7 @@
                                     </p:set>
                                     <p:animEffect transition="in" filter="fade">
                                       <p:cBhvr>
-                                        <p:cTn id="30" dur="1000"/>
+                                        <p:cTn id="29" dur="1000"/>
                                         <p:tgtEl>
                                           <p:spTgt spid="8"/>
                                         </p:tgtEl>
@@ -6797,7 +6740,7 @@
                                     </p:animEffect>
                                     <p:anim calcmode="lin" valueType="num">
                                       <p:cBhvr>
-                                        <p:cTn id="31" dur="1000" fill="hold"/>
+                                        <p:cTn id="30" dur="1000" fill="hold"/>
                                         <p:tgtEl>
                                           <p:spTgt spid="8"/>
                                         </p:tgtEl>
@@ -6820,7 +6763,7 @@
                                     </p:anim>
                                     <p:anim calcmode="lin" valueType="num">
                                       <p:cBhvr>
-                                        <p:cTn id="32" dur="1000" fill="hold"/>
+                                        <p:cTn id="31" dur="1000" fill="hold"/>
                                         <p:tgtEl>
                                           <p:spTgt spid="8"/>
                                         </p:tgtEl>
@@ -6851,26 +6794,26 @@
                     </p:cTn>
                   </p:par>
                   <p:par>
-                    <p:cTn id="33" fill="hold">
+                    <p:cTn id="32" fill="hold">
                       <p:stCondLst>
                         <p:cond delay="indefinite"/>
                       </p:stCondLst>
                       <p:childTnLst>
                         <p:par>
-                          <p:cTn id="34" fill="hold">
+                          <p:cTn id="33" fill="hold">
                             <p:stCondLst>
                               <p:cond delay="0"/>
                             </p:stCondLst>
                             <p:childTnLst>
                               <p:par>
-                                <p:cTn id="35" presetID="22" presetClass="entr" presetSubtype="8" fill="hold" nodeType="clickEffect">
+                                <p:cTn id="34" presetID="22" presetClass="entr" presetSubtype="8" fill="hold" nodeType="clickEffect">
                                   <p:stCondLst>
                                     <p:cond delay="0"/>
                                   </p:stCondLst>
                                   <p:childTnLst>
                                     <p:set>
                                       <p:cBhvr>
-                                        <p:cTn id="36" dur="1" fill="hold">
+                                        <p:cTn id="35" dur="1" fill="hold">
                                           <p:stCondLst>
                                             <p:cond delay="0"/>
                                           </p:stCondLst>
@@ -6888,7 +6831,7 @@
                                     </p:set>
                                     <p:animEffect transition="in" filter="wipe(left)">
                                       <p:cBhvr>
-                                        <p:cTn id="37" dur="500"/>
+                                        <p:cTn id="36" dur="500"/>
                                         <p:tgtEl>
                                           <p:spTgt spid="12"/>
                                         </p:tgtEl>
@@ -6904,26 +6847,26 @@
                     </p:cTn>
                   </p:par>
                   <p:par>
-                    <p:cTn id="38" fill="hold">
+                    <p:cTn id="37" fill="hold">
                       <p:stCondLst>
                         <p:cond delay="indefinite"/>
                       </p:stCondLst>
                       <p:childTnLst>
                         <p:par>
-                          <p:cTn id="39" fill="hold">
+                          <p:cTn id="38" fill="hold">
                             <p:stCondLst>
                               <p:cond delay="0"/>
                             </p:stCondLst>
                             <p:childTnLst>
                               <p:par>
-                                <p:cTn id="40" presetID="1" presetClass="entr" presetSubtype="0" fill="hold" grpId="0" nodeType="clickEffect">
+                                <p:cTn id="39" presetID="1" presetClass="entr" presetSubtype="0" fill="hold" grpId="0" nodeType="clickEffect">
                                   <p:stCondLst>
                                     <p:cond delay="0"/>
                                   </p:stCondLst>
                                   <p:childTnLst>
                                     <p:set>
                                       <p:cBhvr>
-                                        <p:cTn id="41" dur="1" fill="hold">
+                                        <p:cTn id="40" dur="1" fill="hold">
                                           <p:stCondLst>
                                             <p:cond delay="0"/>
                                           </p:stCondLst>
@@ -7196,7 +7139,7 @@
         <p:spPr bwMode="auto">
           <a:xfrm>
             <a:off x="1301356" y="4798938"/>
-            <a:ext cx="7106920" cy="538480"/>
+            <a:ext cx="7319010" cy="538480"/>
           </a:xfrm>
           <a:prstGeom prst="rect">
             <a:avLst/>
@@ -7337,7 +7280,7 @@
                 <a:latin typeface="微软雅黑" panose="020B0503020204020204" pitchFamily="34" charset="-122"/>
                 <a:ea typeface="微软雅黑" panose="020B0503020204020204" pitchFamily="34" charset="-122"/>
               </a:rPr>
-              <a:t>影响所有以</a:t>
+              <a:t>影响所有以 </a:t>
             </a:r>
             <a:r>
               <a:rPr lang="en-US" altLang="zh-CN" sz="2800" b="1" dirty="0" err="1">
@@ -7347,7 +7290,7 @@
                 <a:latin typeface="微软雅黑" panose="020B0503020204020204" pitchFamily="34" charset="-122"/>
                 <a:ea typeface="微软雅黑" panose="020B0503020204020204" pitchFamily="34" charset="-122"/>
               </a:rPr>
-              <a:t>class</a:t>
+              <a:t>class </a:t>
             </a:r>
             <a:r>
               <a:rPr lang="en-US" altLang="en-US" sz="2800" b="1" dirty="0" err="1">
@@ -7675,6 +7618,41 @@
               <a:solidFill>
                 <a:schemeClr val="tx1"/>
               </a:solidFill>
+              <a:latin typeface="微软雅黑" panose="020B0503020204020204" pitchFamily="34" charset="-122"/>
+              <a:ea typeface="微软雅黑" panose="020B0503020204020204" pitchFamily="34" charset="-122"/>
+            </a:endParaRPr>
+          </a:p>
+        </p:txBody>
+      </p:sp>
+      <p:sp>
+        <p:nvSpPr>
+          <p:cNvPr id="4" name="文本框 10"/>
+          <p:cNvSpPr txBox="1"/>
+          <p:nvPr/>
+        </p:nvSpPr>
+        <p:spPr>
+          <a:xfrm>
+            <a:off x="9360848" y="5830252"/>
+            <a:ext cx="2468245" cy="508000"/>
+          </a:xfrm>
+          <a:prstGeom prst="rect">
+            <a:avLst/>
+          </a:prstGeom>
+          <a:noFill/>
+        </p:spPr>
+        <p:txBody>
+          <a:bodyPr wrap="none" lIns="108850" tIns="54425" rIns="108850" bIns="54425" rtlCol="0">
+            <a:spAutoFit/>
+          </a:bodyPr>
+          <a:p>
+            <a:r>
+              <a:rPr lang="en-US" altLang="zh-CN" sz="2600" dirty="0" smtClean="0">
+                <a:latin typeface="微软雅黑" panose="020B0503020204020204" pitchFamily="34" charset="-122"/>
+                <a:ea typeface="微软雅黑" panose="020B0503020204020204" pitchFamily="34" charset="-122"/>
+              </a:rPr>
+              <a:t>demo4-2.html</a:t>
+            </a:r>
+            <a:endParaRPr lang="zh-CN" altLang="en-US" sz="2600" dirty="0">
               <a:latin typeface="微软雅黑" panose="020B0503020204020204" pitchFamily="34" charset="-122"/>
               <a:ea typeface="微软雅黑" panose="020B0503020204020204" pitchFamily="34" charset="-122"/>
             </a:endParaRPr>
@@ -8377,13 +8355,13 @@
               <a:rPr lang="zh-CN" altLang="en-US">
                 <a:sym typeface="+mn-ea"/>
               </a:rPr>
-              <a:t>。把各个类名放在</a:t>
+              <a:t>。把各个类名放在 </a:t>
             </a:r>
             <a:r>
               <a:rPr>
                 <a:sym typeface="+mn-ea"/>
               </a:rPr>
-              <a:t>class</a:t>
+              <a:t>class </a:t>
             </a:r>
             <a:r>
               <a:rPr lang="zh-CN" altLang="en-US">
@@ -8811,7 +8789,7 @@
         <p:spPr bwMode="auto">
           <a:xfrm>
             <a:off x="1301356" y="4798938"/>
-            <a:ext cx="6604000" cy="538480"/>
+            <a:ext cx="6816090" cy="538480"/>
           </a:xfrm>
           <a:prstGeom prst="rect">
             <a:avLst/>
@@ -8952,7 +8930,7 @@
                 <a:latin typeface="微软雅黑" panose="020B0503020204020204" pitchFamily="34" charset="-122"/>
                 <a:ea typeface="微软雅黑" panose="020B0503020204020204" pitchFamily="34" charset="-122"/>
               </a:rPr>
-              <a:t>影响以</a:t>
+              <a:t>影响以 </a:t>
             </a:r>
             <a:r>
               <a:rPr lang="en-US" altLang="zh-CN" sz="2800" b="1" dirty="0">
@@ -8962,7 +8940,7 @@
                 <a:latin typeface="微软雅黑" panose="020B0503020204020204" pitchFamily="34" charset="-122"/>
                 <a:ea typeface="微软雅黑" panose="020B0503020204020204" pitchFamily="34" charset="-122"/>
               </a:rPr>
-              <a:t>id</a:t>
+              <a:t>id </a:t>
             </a:r>
             <a:r>
               <a:rPr lang="en-US" altLang="en-US" sz="2800" b="1" dirty="0" err="1">
@@ -9005,7 +8983,7 @@
         <p:spPr bwMode="auto">
           <a:xfrm>
             <a:off x="1322116" y="5462182"/>
-            <a:ext cx="8006715" cy="538480"/>
+            <a:ext cx="8217535" cy="538480"/>
           </a:xfrm>
           <a:prstGeom prst="rect">
             <a:avLst/>
@@ -9157,7 +9135,7 @@
                 <a:ea typeface="微软雅黑" panose="020B0503020204020204" pitchFamily="34" charset="-122"/>
                 <a:sym typeface="+mn-ea"/>
               </a:rPr>
-              <a:t>单一页面中，一个id选择器只能使用一次！</a:t>
+              <a:t>单一页面中，一个 id 选择器只能使用一次！</a:t>
             </a:r>
             <a:endParaRPr lang="zh-CN" altLang="en-US" sz="2800" b="1" dirty="0">
               <a:solidFill>
@@ -9403,6 +9381,41 @@
           </a:fontRef>
         </p:style>
       </p:cxnSp>
+      <p:sp>
+        <p:nvSpPr>
+          <p:cNvPr id="6" name="文本框 10"/>
+          <p:cNvSpPr txBox="1"/>
+          <p:nvPr/>
+        </p:nvSpPr>
+        <p:spPr>
+          <a:xfrm>
+            <a:off x="9360848" y="5830252"/>
+            <a:ext cx="2468245" cy="508000"/>
+          </a:xfrm>
+          <a:prstGeom prst="rect">
+            <a:avLst/>
+          </a:prstGeom>
+          <a:noFill/>
+        </p:spPr>
+        <p:txBody>
+          <a:bodyPr wrap="none" lIns="108850" tIns="54425" rIns="108850" bIns="54425" rtlCol="0">
+            <a:spAutoFit/>
+          </a:bodyPr>
+          <a:p>
+            <a:r>
+              <a:rPr lang="en-US" altLang="zh-CN" sz="2600" dirty="0" smtClean="0">
+                <a:latin typeface="微软雅黑" panose="020B0503020204020204" pitchFamily="34" charset="-122"/>
+                <a:ea typeface="微软雅黑" panose="020B0503020204020204" pitchFamily="34" charset="-122"/>
+              </a:rPr>
+              <a:t>demo4-3.html</a:t>
+            </a:r>
+            <a:endParaRPr lang="zh-CN" altLang="en-US" sz="2600" dirty="0">
+              <a:latin typeface="微软雅黑" panose="020B0503020204020204" pitchFamily="34" charset="-122"/>
+              <a:ea typeface="微软雅黑" panose="020B0503020204020204" pitchFamily="34" charset="-122"/>
+            </a:endParaRPr>
+          </a:p>
+        </p:txBody>
+      </p:sp>
     </p:spTree>
   </p:cSld>
   <p:clrMapOvr>
@@ -10971,7 +10984,7 @@
         <p:spPr bwMode="auto">
           <a:xfrm>
             <a:off x="3544928" y="2492953"/>
-            <a:ext cx="1777945" cy="556189"/>
+            <a:ext cx="1998980" cy="553720"/>
           </a:xfrm>
           <a:prstGeom prst="rect">
             <a:avLst/>
@@ -11112,7 +11125,7 @@
                 <a:latin typeface="微软雅黑" panose="020B0503020204020204" pitchFamily="34" charset="-122"/>
                 <a:ea typeface="微软雅黑" panose="020B0503020204020204" pitchFamily="34" charset="-122"/>
               </a:rPr>
-              <a:t>html</a:t>
+              <a:t>HTML</a:t>
             </a:r>
             <a:r>
               <a:rPr lang="zh-CN" altLang="en-US" sz="2900" dirty="0">
@@ -13176,28 +13189,28 @@
                 <a:latin typeface="微软雅黑" panose="020B0503020204020204" pitchFamily="34" charset="-122"/>
                 <a:ea typeface="微软雅黑" panose="020B0503020204020204" pitchFamily="34" charset="-122"/>
               </a:rPr>
-              <a:t>从内容中抽离出来的</a:t>
+              <a:t>从内容中抽离出来的 </a:t>
             </a:r>
             <a:r>
               <a:rPr lang="en-US" altLang="zh-CN" sz="2800" dirty="0">
                 <a:latin typeface="微软雅黑" panose="020B0503020204020204" pitchFamily="34" charset="-122"/>
                 <a:ea typeface="微软雅黑" panose="020B0503020204020204" pitchFamily="34" charset="-122"/>
               </a:rPr>
-              <a:t>CSS</a:t>
+              <a:t>CSS </a:t>
             </a:r>
             <a:r>
               <a:rPr lang="zh-CN" altLang="en-US" sz="2800" dirty="0">
                 <a:latin typeface="微软雅黑" panose="020B0503020204020204" pitchFamily="34" charset="-122"/>
                 <a:ea typeface="微软雅黑" panose="020B0503020204020204" pitchFamily="34" charset="-122"/>
               </a:rPr>
-              <a:t>样式，应如何与</a:t>
+              <a:t>样式，应如何与 </a:t>
             </a:r>
             <a:r>
               <a:rPr lang="en-US" altLang="zh-CN" sz="2800" dirty="0">
                 <a:latin typeface="微软雅黑" panose="020B0503020204020204" pitchFamily="34" charset="-122"/>
                 <a:ea typeface="微软雅黑" panose="020B0503020204020204" pitchFamily="34" charset="-122"/>
               </a:rPr>
-              <a:t>HTML</a:t>
+              <a:t>HTML </a:t>
             </a:r>
             <a:r>
               <a:rPr lang="zh-CN" altLang="en-US" sz="2800" dirty="0">
@@ -13347,7 +13360,7 @@
                 </a:solidFill>
                 <a:sym typeface="+mn-ea"/>
               </a:rPr>
-              <a:t>将</a:t>
+              <a:t>将 </a:t>
             </a:r>
             <a:r>
               <a:rPr>
@@ -13356,7 +13369,7 @@
                 </a:solidFill>
                 <a:sym typeface="+mn-ea"/>
               </a:rPr>
-              <a:t>CSS</a:t>
+              <a:t>CSS </a:t>
             </a:r>
             <a:r>
               <a:rPr lang="zh-CN" altLang="en-US">
@@ -13365,7 +13378,7 @@
                 </a:solidFill>
                 <a:sym typeface="+mn-ea"/>
               </a:rPr>
-              <a:t>样式与</a:t>
+              <a:t>样式与 </a:t>
             </a:r>
             <a:r>
               <a:rPr>
@@ -13374,7 +13387,7 @@
                 </a:solidFill>
                 <a:sym typeface="+mn-ea"/>
               </a:rPr>
-              <a:t>HTML</a:t>
+              <a:t>HTML </a:t>
             </a:r>
             <a:r>
               <a:rPr lang="zh-CN" altLang="en-US">
@@ -13589,13 +13602,13 @@
               <a:rPr lang="zh-CN" altLang="en-US">
                 <a:sym typeface="+mn-ea"/>
               </a:rPr>
-              <a:t>元素标签内通过</a:t>
+              <a:t>元素标签内通过 </a:t>
             </a:r>
             <a:r>
               <a:rPr>
                 <a:sym typeface="+mn-ea"/>
               </a:rPr>
-              <a:t>style</a:t>
+              <a:t>style </a:t>
             </a:r>
             <a:r>
               <a:rPr lang="zh-CN" altLang="en-US">
@@ -13932,7 +13945,7 @@
             <a:avLst/>
           </a:prstGeom>
           <a:noFill/>
-          <a:ln w="19050">
+          <a:ln w="28575">
             <a:solidFill>
               <a:srgbClr val="FF0000"/>
             </a:solidFill>
@@ -15401,7 +15414,7 @@
               <a:rPr lang="zh-CN" altLang="en-US">
                 <a:sym typeface="+mn-ea"/>
               </a:rPr>
-              <a:t>引用外部建立的</a:t>
+              <a:t>引用外部建立的 </a:t>
             </a:r>
             <a:r>
               <a:rPr>
@@ -15419,7 +15432,7 @@
                 </a:solidFill>
                 <a:sym typeface="+mn-ea"/>
               </a:rPr>
-              <a:t>css</a:t>
+              <a:t>css </a:t>
             </a:r>
             <a:r>
               <a:rPr lang="zh-CN" altLang="en-US">
@@ -15731,8 +15744,8 @@
         </p:nvSpPr>
         <p:spPr bwMode="auto">
           <a:xfrm>
-            <a:off x="1137920" y="2823210"/>
-            <a:ext cx="10534650" cy="565785"/>
+            <a:off x="1137920" y="2841625"/>
+            <a:ext cx="10534650" cy="452120"/>
           </a:xfrm>
           <a:prstGeom prst="rect">
             <a:avLst/>
@@ -15809,7 +15822,7 @@
                             </p:stCondLst>
                             <p:childTnLst>
                               <p:par>
-                                <p:cTn id="5" presetID="16" presetClass="entr" presetSubtype="21" fill="hold" grpId="0" nodeType="clickEffect">
+                                <p:cTn id="5" presetID="22" presetClass="entr" presetSubtype="1" fill="hold" grpId="0" nodeType="clickEffect">
                                   <p:stCondLst>
                                     <p:cond delay="0"/>
                                   </p:stCondLst>
@@ -15822,7 +15835,7 @@
                                           </p:stCondLst>
                                         </p:cTn>
                                         <p:tgtEl>
-                                          <p:spTgt spid="8"/>
+                                          <p:spTgt spid="7"/>
                                         </p:tgtEl>
                                         <p:attrNameLst>
                                           <p:attrName>style.visibility</p:attrName>
@@ -15832,11 +15845,11 @@
                                         <p:strVal val="visible"/>
                                       </p:to>
                                     </p:set>
-                                    <p:animEffect transition="in" filter="barn(inVertical)">
+                                    <p:animEffect transition="in" filter="wipe(up)">
                                       <p:cBhvr>
                                         <p:cTn id="7" dur="500"/>
                                         <p:tgtEl>
-                                          <p:spTgt spid="8"/>
+                                          <p:spTgt spid="7"/>
                                         </p:tgtEl>
                                       </p:cBhvr>
                                     </p:animEffect>
@@ -15862,7 +15875,7 @@
                             </p:stCondLst>
                             <p:childTnLst>
                               <p:par>
-                                <p:cTn id="10" presetID="22" presetClass="entr" presetSubtype="1" fill="hold" grpId="0" nodeType="clickEffect">
+                                <p:cTn id="10" presetID="16" presetClass="entr" presetSubtype="21" fill="hold" grpId="0" nodeType="clickEffect">
                                   <p:stCondLst>
                                     <p:cond delay="0"/>
                                   </p:stCondLst>
@@ -15875,7 +15888,7 @@
                                           </p:stCondLst>
                                         </p:cTn>
                                         <p:tgtEl>
-                                          <p:spTgt spid="7"/>
+                                          <p:spTgt spid="8"/>
                                         </p:tgtEl>
                                         <p:attrNameLst>
                                           <p:attrName>style.visibility</p:attrName>
@@ -15885,11 +15898,11 @@
                                         <p:strVal val="visible"/>
                                       </p:to>
                                     </p:set>
-                                    <p:animEffect transition="in" filter="wipe(up)">
+                                    <p:animEffect transition="in" filter="barn(inVertical)">
                                       <p:cBhvr>
                                         <p:cTn id="12" dur="500"/>
                                         <p:tgtEl>
-                                          <p:spTgt spid="7"/>
+                                          <p:spTgt spid="8"/>
                                         </p:tgtEl>
                                       </p:cBhvr>
                                     </p:animEffect>
@@ -20231,7 +20244,7 @@
                     </a:schemeClr>
                   </a:solidFill>
                 </a:rPr>
-                <a:t>color:red</a:t>
+                <a:t>color : red</a:t>
               </a:r>
               <a:r>
                 <a:rPr lang="en-US" altLang="zh-CN" sz="2800" dirty="0">
@@ -20280,9 +20293,9 @@
         <p:grpSpPr>
           <a:xfrm>
             <a:off x="3745581" y="3617036"/>
-            <a:ext cx="2299531" cy="1878223"/>
+            <a:ext cx="2518410" cy="1878330"/>
             <a:chOff x="733652" y="3434314"/>
-            <a:chExt cx="1724873" cy="1877787"/>
+            <a:chExt cx="1889054" cy="1877894"/>
           </a:xfrm>
         </p:grpSpPr>
         <p:sp>
@@ -20333,8 +20346,8 @@
           </p:nvSpPr>
           <p:spPr>
             <a:xfrm>
-              <a:off x="733652" y="3928757"/>
-              <a:ext cx="1724873" cy="1383344"/>
+              <a:off x="733652" y="3928864"/>
+              <a:ext cx="1889054" cy="1383344"/>
             </a:xfrm>
             <a:prstGeom prst="rect">
               <a:avLst/>
@@ -20382,7 +20395,7 @@
                     </a:schemeClr>
                   </a:solidFill>
                 </a:rPr>
-                <a:t>color:green</a:t>
+                <a:t>color : green</a:t>
               </a:r>
               <a:r>
                 <a:rPr lang="en-US" altLang="zh-CN" sz="2800" dirty="0">
@@ -20533,7 +20546,7 @@
                     </a:schemeClr>
                   </a:solidFill>
                 </a:rPr>
-                <a:t>color:red</a:t>
+                <a:t>color : red</a:t>
               </a:r>
               <a:r>
                 <a:rPr lang="en-US" altLang="zh-CN" sz="2800" dirty="0">
@@ -20710,7 +20723,7 @@
                     </a:schemeClr>
                   </a:solidFill>
                 </a:rPr>
-                <a:t>color:blue</a:t>
+                <a:t>color : blue</a:t>
               </a:r>
               <a:r>
                 <a:rPr lang="en-US" altLang="zh-CN" sz="2800" dirty="0">
@@ -21289,7 +21302,7 @@
         </p:nvSpPr>
         <p:spPr bwMode="auto">
           <a:xfrm>
-            <a:off x="5563205" y="1203877"/>
+            <a:off x="5525105" y="1203877"/>
             <a:ext cx="5808937" cy="1765020"/>
           </a:xfrm>
           <a:prstGeom prst="rect">
@@ -21487,14 +21500,14 @@
                 <a:latin typeface="微软雅黑" panose="020B0503020204020204" pitchFamily="34" charset="-122"/>
                 <a:ea typeface="微软雅黑" panose="020B0503020204020204" pitchFamily="34" charset="-122"/>
               </a:rPr>
-              <a:t>如果</a:t>
+              <a:t>如果 </a:t>
             </a:r>
             <a:r>
               <a:rPr lang="en-US" altLang="zh-CN" sz="2800" dirty="0">
                 <a:latin typeface="微软雅黑" panose="020B0503020204020204" pitchFamily="34" charset="-122"/>
                 <a:ea typeface="微软雅黑" panose="020B0503020204020204" pitchFamily="34" charset="-122"/>
               </a:rPr>
-              <a:t>3</a:t>
+              <a:t>3 </a:t>
             </a:r>
             <a:r>
               <a:rPr lang="zh-CN" altLang="en-US" sz="2800" dirty="0">
@@ -21984,7 +21997,7 @@
               <a:rPr>
                 <a:sym typeface="+mn-ea"/>
               </a:rPr>
-              <a:t>CSS</a:t>
+              <a:t>CSS </a:t>
             </a:r>
             <a:r>
               <a:rPr lang="zh-CN" altLang="en-US">
@@ -22014,13 +22027,13 @@
               <a:rPr lang="zh-CN" altLang="en-US">
                 <a:sym typeface="+mn-ea"/>
               </a:rPr>
-              <a:t>多个样式，在同一内容上共同实现，叫做</a:t>
+              <a:t>多个样式，在同一内容上共同实现，叫做 </a:t>
             </a:r>
             <a:r>
               <a:rPr>
                 <a:sym typeface="+mn-ea"/>
               </a:rPr>
-              <a:t>CSS</a:t>
+              <a:t>CSS </a:t>
             </a:r>
             <a:r>
               <a:rPr lang="zh-CN" altLang="en-US">
@@ -22035,7 +22048,7 @@
                 </a:solidFill>
                 <a:sym typeface="+mn-ea"/>
               </a:rPr>
-              <a:t>叠加</a:t>
+              <a:t>叠加。</a:t>
             </a:r>
             <a:endParaRPr lang="zh-CN" altLang="en-US">
               <a:solidFill>
@@ -22049,7 +22062,7 @@
               <a:rPr>
                 <a:sym typeface="+mn-ea"/>
               </a:rPr>
-              <a:t>CSS</a:t>
+              <a:t>CSS </a:t>
             </a:r>
             <a:r>
               <a:rPr lang="zh-CN" altLang="en-US">
@@ -22079,7 +22092,7 @@
               <a:rPr lang="zh-CN" altLang="en-US">
                 <a:sym typeface="+mn-ea"/>
               </a:rPr>
-              <a:t>文档中的某些元素，将沿用为其父元素所设置的样式，这种特点叫做</a:t>
+              <a:t>文档中的某些元素，将沿用为其父元素所设置的样式，这种特点叫做 </a:t>
             </a:r>
             <a:r>
               <a:rPr>
@@ -22100,7 +22113,7 @@
                 </a:solidFill>
                 <a:sym typeface="+mn-ea"/>
               </a:rPr>
-              <a:t>可继承性</a:t>
+              <a:t>可继承性。</a:t>
             </a:r>
             <a:endParaRPr lang="zh-CN" altLang="en-US" dirty="0">
               <a:latin typeface="微软雅黑" panose="020B0503020204020204" pitchFamily="34" charset="-122"/>
@@ -22144,7 +22157,218 @@
   <p:timing>
     <p:tnLst>
       <p:par>
-        <p:cTn id="1" dur="indefinite" restart="never" nodeType="tmRoot"/>
+        <p:cTn id="1" dur="indefinite" restart="never" nodeType="tmRoot">
+          <p:childTnLst>
+            <p:seq concurrent="1" nextAc="seek">
+              <p:cTn id="2" dur="indefinite" nodeType="mainSeq">
+                <p:childTnLst>
+                  <p:par>
+                    <p:cTn id="3" fill="hold">
+                      <p:stCondLst>
+                        <p:cond delay="indefinite"/>
+                      </p:stCondLst>
+                      <p:childTnLst>
+                        <p:par>
+                          <p:cTn id="4" fill="hold">
+                            <p:stCondLst>
+                              <p:cond delay="0"/>
+                            </p:stCondLst>
+                            <p:childTnLst>
+                              <p:par>
+                                <p:cTn id="5" presetID="2" presetClass="entr" presetSubtype="4" fill="hold" nodeType="clickEffect">
+                                  <p:stCondLst>
+                                    <p:cond delay="0"/>
+                                  </p:stCondLst>
+                                  <p:childTnLst>
+                                    <p:set>
+                                      <p:cBhvr>
+                                        <p:cTn id="6" dur="1" fill="hold">
+                                          <p:stCondLst>
+                                            <p:cond delay="0"/>
+                                          </p:stCondLst>
+                                        </p:cTn>
+                                        <p:tgtEl>
+                                          <p:spTgt spid="3">
+                                            <p:txEl>
+                                              <p:pRg st="2" end="2"/>
+                                            </p:txEl>
+                                          </p:spTgt>
+                                        </p:tgtEl>
+                                        <p:attrNameLst>
+                                          <p:attrName>style.visibility</p:attrName>
+                                        </p:attrNameLst>
+                                      </p:cBhvr>
+                                      <p:to>
+                                        <p:strVal val="visible"/>
+                                      </p:to>
+                                    </p:set>
+                                    <p:anim calcmode="lin" valueType="num">
+                                      <p:cBhvr additive="base">
+                                        <p:cTn id="7" dur="500" fill="hold"/>
+                                        <p:tgtEl>
+                                          <p:spTgt spid="3">
+                                            <p:txEl>
+                                              <p:pRg st="2" end="2"/>
+                                            </p:txEl>
+                                          </p:spTgt>
+                                        </p:tgtEl>
+                                        <p:attrNameLst>
+                                          <p:attrName>ppt_x</p:attrName>
+                                        </p:attrNameLst>
+                                      </p:cBhvr>
+                                      <p:tavLst>
+                                        <p:tav tm="0">
+                                          <p:val>
+                                            <p:strVal val="#ppt_x"/>
+                                          </p:val>
+                                        </p:tav>
+                                        <p:tav tm="100000">
+                                          <p:val>
+                                            <p:strVal val="#ppt_x"/>
+                                          </p:val>
+                                        </p:tav>
+                                      </p:tavLst>
+                                    </p:anim>
+                                    <p:anim calcmode="lin" valueType="num">
+                                      <p:cBhvr additive="base">
+                                        <p:cTn id="8" dur="500" fill="hold"/>
+                                        <p:tgtEl>
+                                          <p:spTgt spid="3">
+                                            <p:txEl>
+                                              <p:pRg st="2" end="2"/>
+                                            </p:txEl>
+                                          </p:spTgt>
+                                        </p:tgtEl>
+                                        <p:attrNameLst>
+                                          <p:attrName>ppt_y</p:attrName>
+                                        </p:attrNameLst>
+                                      </p:cBhvr>
+                                      <p:tavLst>
+                                        <p:tav tm="0">
+                                          <p:val>
+                                            <p:strVal val="1+#ppt_h/2"/>
+                                          </p:val>
+                                        </p:tav>
+                                        <p:tav tm="100000">
+                                          <p:val>
+                                            <p:strVal val="#ppt_y"/>
+                                          </p:val>
+                                        </p:tav>
+                                      </p:tavLst>
+                                    </p:anim>
+                                  </p:childTnLst>
+                                </p:cTn>
+                              </p:par>
+                              <p:par>
+                                <p:cTn id="9" presetID="2" presetClass="entr" presetSubtype="4" fill="hold" nodeType="withEffect">
+                                  <p:stCondLst>
+                                    <p:cond delay="0"/>
+                                  </p:stCondLst>
+                                  <p:childTnLst>
+                                    <p:set>
+                                      <p:cBhvr>
+                                        <p:cTn id="10" dur="1" fill="hold">
+                                          <p:stCondLst>
+                                            <p:cond delay="0"/>
+                                          </p:stCondLst>
+                                        </p:cTn>
+                                        <p:tgtEl>
+                                          <p:spTgt spid="3">
+                                            <p:txEl>
+                                              <p:pRg st="3" end="3"/>
+                                            </p:txEl>
+                                          </p:spTgt>
+                                        </p:tgtEl>
+                                        <p:attrNameLst>
+                                          <p:attrName>style.visibility</p:attrName>
+                                        </p:attrNameLst>
+                                      </p:cBhvr>
+                                      <p:to>
+                                        <p:strVal val="visible"/>
+                                      </p:to>
+                                    </p:set>
+                                    <p:anim calcmode="lin" valueType="num">
+                                      <p:cBhvr additive="base">
+                                        <p:cTn id="11" dur="500" fill="hold"/>
+                                        <p:tgtEl>
+                                          <p:spTgt spid="3">
+                                            <p:txEl>
+                                              <p:pRg st="3" end="3"/>
+                                            </p:txEl>
+                                          </p:spTgt>
+                                        </p:tgtEl>
+                                        <p:attrNameLst>
+                                          <p:attrName>ppt_x</p:attrName>
+                                        </p:attrNameLst>
+                                      </p:cBhvr>
+                                      <p:tavLst>
+                                        <p:tav tm="0">
+                                          <p:val>
+                                            <p:strVal val="#ppt_x"/>
+                                          </p:val>
+                                        </p:tav>
+                                        <p:tav tm="100000">
+                                          <p:val>
+                                            <p:strVal val="#ppt_x"/>
+                                          </p:val>
+                                        </p:tav>
+                                      </p:tavLst>
+                                    </p:anim>
+                                    <p:anim calcmode="lin" valueType="num">
+                                      <p:cBhvr additive="base">
+                                        <p:cTn id="12" dur="500" fill="hold"/>
+                                        <p:tgtEl>
+                                          <p:spTgt spid="3">
+                                            <p:txEl>
+                                              <p:pRg st="3" end="3"/>
+                                            </p:txEl>
+                                          </p:spTgt>
+                                        </p:tgtEl>
+                                        <p:attrNameLst>
+                                          <p:attrName>ppt_y</p:attrName>
+                                        </p:attrNameLst>
+                                      </p:cBhvr>
+                                      <p:tavLst>
+                                        <p:tav tm="0">
+                                          <p:val>
+                                            <p:strVal val="1+#ppt_h/2"/>
+                                          </p:val>
+                                        </p:tav>
+                                        <p:tav tm="100000">
+                                          <p:val>
+                                            <p:strVal val="#ppt_y"/>
+                                          </p:val>
+                                        </p:tav>
+                                      </p:tavLst>
+                                    </p:anim>
+                                  </p:childTnLst>
+                                </p:cTn>
+                              </p:par>
+                            </p:childTnLst>
+                          </p:cTn>
+                        </p:par>
+                      </p:childTnLst>
+                    </p:cTn>
+                  </p:par>
+                </p:childTnLst>
+              </p:cTn>
+              <p:prevCondLst>
+                <p:cond evt="onPrev" delay="0">
+                  <p:tgtEl>
+                    <p:sldTgt/>
+                  </p:tgtEl>
+                </p:cond>
+              </p:prevCondLst>
+              <p:nextCondLst>
+                <p:cond evt="onNext" delay="0">
+                  <p:tgtEl>
+                    <p:sldTgt/>
+                  </p:tgtEl>
+                </p:cond>
+              </p:nextCondLst>
+            </p:seq>
+          </p:childTnLst>
+        </p:cTn>
       </p:par>
     </p:tnLst>
   </p:timing>
@@ -22207,7 +22431,7 @@
               <a:rPr>
                 <a:sym typeface="+mn-ea"/>
               </a:rPr>
-              <a:t>CSS</a:t>
+              <a:t>CSS </a:t>
             </a:r>
             <a:r>
               <a:rPr lang="zh-CN" altLang="en-US">
@@ -22381,7 +22605,7 @@
                   <a:srgbClr val="FF0000"/>
                 </a:solidFill>
               </a:rPr>
-              <a:t>练习                                         要求</a:t>
+              <a:t>练习                                     要求</a:t>
             </a:r>
             <a:endParaRPr lang="zh-CN" altLang="en-US" b="1">
               <a:solidFill>
@@ -22667,7 +22891,7 @@
         </p:nvCxnSpPr>
         <p:spPr>
           <a:xfrm>
-            <a:off x="5876925" y="1783715"/>
+            <a:off x="5497195" y="1783715"/>
             <a:ext cx="8890" cy="4411980"/>
           </a:xfrm>
           <a:prstGeom prst="line">
@@ -22702,7 +22926,7 @@
         </p:nvSpPr>
         <p:spPr>
           <a:xfrm>
-            <a:off x="6206833" y="2112657"/>
+            <a:off x="5827103" y="2112657"/>
             <a:ext cx="6082716" cy="2655570"/>
           </a:xfrm>
           <a:prstGeom prst="rect">
@@ -22757,14 +22981,14 @@
                 <a:latin typeface="微软雅黑" panose="020B0503020204020204" pitchFamily="34" charset="-122"/>
                 <a:ea typeface="微软雅黑" panose="020B0503020204020204" pitchFamily="34" charset="-122"/>
               </a:rPr>
-              <a:t>为无序列表</a:t>
+              <a:t>为无序列表 </a:t>
             </a:r>
             <a:r>
               <a:rPr lang="en-US" altLang="zh-CN" sz="2400" dirty="0" err="1">
                 <a:latin typeface="微软雅黑" panose="020B0503020204020204" pitchFamily="34" charset="-122"/>
                 <a:ea typeface="微软雅黑" panose="020B0503020204020204" pitchFamily="34" charset="-122"/>
               </a:rPr>
-              <a:t>ul</a:t>
+              <a:t>ul </a:t>
             </a:r>
             <a:r>
               <a:rPr lang="zh-CN" altLang="en-US" sz="2400" dirty="0">
@@ -22803,14 +23027,14 @@
                 <a:latin typeface="微软雅黑" panose="020B0503020204020204" pitchFamily="34" charset="-122"/>
                 <a:ea typeface="微软雅黑" panose="020B0503020204020204" pitchFamily="34" charset="-122"/>
               </a:rPr>
-              <a:t>蓝色</a:t>
+              <a:t>蓝色 </a:t>
             </a:r>
             <a:r>
               <a:rPr lang="en-US" altLang="zh-CN" sz="2400" dirty="0" err="1" smtClean="0">
                 <a:latin typeface="微软雅黑" panose="020B0503020204020204" pitchFamily="34" charset="-122"/>
                 <a:ea typeface="微软雅黑" panose="020B0503020204020204" pitchFamily="34" charset="-122"/>
               </a:rPr>
-              <a:t>color:blue</a:t>
+              <a:t>color : blue</a:t>
             </a:r>
             <a:r>
               <a:rPr lang="zh-CN" altLang="en-US" sz="2400" dirty="0">
@@ -22849,14 +23073,14 @@
                 <a:latin typeface="微软雅黑" panose="020B0503020204020204" pitchFamily="34" charset="-122"/>
                 <a:ea typeface="微软雅黑" panose="020B0503020204020204" pitchFamily="34" charset="-122"/>
               </a:rPr>
-              <a:t>为</a:t>
+              <a:t>为 </a:t>
             </a:r>
             <a:r>
               <a:rPr lang="en-US" altLang="zh-CN" sz="2400" dirty="0" smtClean="0">
                 <a:latin typeface="微软雅黑" panose="020B0503020204020204" pitchFamily="34" charset="-122"/>
                 <a:ea typeface="微软雅黑" panose="020B0503020204020204" pitchFamily="34" charset="-122"/>
               </a:rPr>
-              <a:t>p</a:t>
+              <a:t>p </a:t>
             </a:r>
             <a:r>
               <a:rPr lang="zh-CN" altLang="en-US" sz="2400" dirty="0" smtClean="0">
@@ -23416,7 +23640,7 @@
             </a:bodyPr>
             <a:p>
               <a:r>
-                <a:rPr lang="en-US" altLang="zh-CN" sz="2800" dirty="0" smtClean="0">
+                <a:rPr lang="zh-CN" altLang="en-US" sz="2800" dirty="0">
                   <a:solidFill>
                     <a:srgbClr val="595E64"/>
                   </a:solidFill>
@@ -23425,9 +23649,9 @@
                 </a:rPr>
                 <a:t>CSS简介</a:t>
               </a:r>
-              <a:endParaRPr lang="zh-CN" altLang="en-US" sz="2800" dirty="0" smtClean="0">
-                <a:solidFill>
-                  <a:schemeClr val="tx1"/>
+              <a:endParaRPr lang="zh-CN" altLang="en-US" sz="2800" dirty="0">
+                <a:solidFill>
+                  <a:srgbClr val="595E64"/>
                 </a:solidFill>
                 <a:latin typeface="微软雅黑" panose="020B0503020204020204" pitchFamily="34" charset="-122"/>
                 <a:ea typeface="微软雅黑" panose="020B0503020204020204" pitchFamily="34" charset="-122"/>
@@ -23457,7 +23681,7 @@
             </a:bodyPr>
             <a:p>
               <a:r>
-                <a:rPr lang="en-US" altLang="zh-CN" sz="2800" dirty="0" smtClean="0">
+                <a:rPr lang="zh-CN" altLang="en-US" sz="2800" dirty="0">
                   <a:solidFill>
                     <a:srgbClr val="595E64"/>
                   </a:solidFill>
@@ -23466,9 +23690,9 @@
                 </a:rPr>
                 <a:t>CSS基础语法</a:t>
               </a:r>
-              <a:endParaRPr lang="zh-CN" altLang="en-US" sz="2800" dirty="0" smtClean="0">
-                <a:solidFill>
-                  <a:schemeClr val="tx1"/>
+              <a:endParaRPr lang="zh-CN" altLang="en-US" sz="2800" dirty="0">
+                <a:solidFill>
+                  <a:srgbClr val="595E64"/>
                 </a:solidFill>
                 <a:latin typeface="微软雅黑" panose="020B0503020204020204" pitchFamily="34" charset="-122"/>
                 <a:ea typeface="微软雅黑" panose="020B0503020204020204" pitchFamily="34" charset="-122"/>
@@ -24921,7 +25145,7 @@
             <a:lstStyle/>
             <a:p>
               <a:r>
-                <a:rPr lang="en-US" altLang="zh-CN" sz="2800" dirty="0" smtClean="0">
+                <a:rPr lang="zh-CN" altLang="en-US" sz="2800" dirty="0">
                   <a:solidFill>
                     <a:srgbClr val="595E64"/>
                   </a:solidFill>
@@ -24930,9 +25154,9 @@
                 </a:rPr>
                 <a:t>CSS基础小结</a:t>
               </a:r>
-              <a:endParaRPr lang="en-US" altLang="zh-CN" sz="2800" dirty="0" smtClean="0">
-                <a:solidFill>
-                  <a:srgbClr val="595E64"/>
+              <a:endParaRPr lang="zh-CN" altLang="en-US" sz="2800" dirty="0">
+                <a:solidFill>
+                  <a:schemeClr val="tx1"/>
                 </a:solidFill>
                 <a:latin typeface="微软雅黑" panose="020B0503020204020204" pitchFamily="34" charset="-122"/>
                 <a:ea typeface="微软雅黑" panose="020B0503020204020204" pitchFamily="34" charset="-122"/>
@@ -25108,7 +25332,7 @@
             </a:bodyPr>
             <a:p>
               <a:r>
-                <a:rPr lang="en-US" altLang="zh-CN" sz="2800" dirty="0" smtClean="0">
+                <a:rPr lang="zh-CN" altLang="en-US" sz="2800" dirty="0">
                   <a:solidFill>
                     <a:srgbClr val="595E64"/>
                   </a:solidFill>
@@ -25199,7 +25423,7 @@
                 </a:solidFill>
                 <a:sym typeface="+mn-ea"/>
               </a:rPr>
-              <a:t>在</a:t>
+              <a:t>在 </a:t>
             </a:r>
             <a:r>
               <a:rPr>
@@ -25208,7 +25432,7 @@
                 </a:solidFill>
                 <a:sym typeface="+mn-ea"/>
               </a:rPr>
-              <a:t>HTML</a:t>
+              <a:t>HTML </a:t>
             </a:r>
             <a:r>
               <a:rPr lang="zh-CN" altLang="en-US">
@@ -25217,7 +25441,7 @@
                 </a:solidFill>
                 <a:sym typeface="+mn-ea"/>
               </a:rPr>
-              <a:t>中使用</a:t>
+              <a:t>中使用 </a:t>
             </a:r>
             <a:r>
               <a:rPr>
@@ -25226,7 +25450,7 @@
                 </a:solidFill>
                 <a:sym typeface="+mn-ea"/>
               </a:rPr>
-              <a:t>CSS</a:t>
+              <a:t>CSS </a:t>
             </a:r>
             <a:r>
               <a:rPr lang="zh-CN" altLang="en-US">
@@ -26938,7 +27162,7 @@
             </a:r>
             <a:r>
               <a:rPr lang="zh-CN" altLang="en-US"/>
-              <a:t>选择器补充</a:t>
+              <a:t>高级选择器</a:t>
             </a:r>
             <a:endParaRPr lang="zh-CN" altLang="en-US"/>
           </a:p>
@@ -27229,7 +27453,7 @@
             </a:r>
             <a:r>
               <a:rPr lang="zh-CN" altLang="en-US"/>
-              <a:t>选择器补充</a:t>
+              <a:t>高级选择器</a:t>
             </a:r>
             <a:endParaRPr lang="zh-CN" altLang="en-US"/>
           </a:p>
@@ -27603,7 +27827,7 @@
             </a:r>
             <a:r>
               <a:rPr lang="zh-CN" altLang="en-US"/>
-              <a:t>选择器补充</a:t>
+              <a:t>高级选择器</a:t>
             </a:r>
             <a:endParaRPr lang="zh-CN" altLang="en-US"/>
           </a:p>
@@ -30227,7 +30451,7 @@
             <a:r>
               <a:rPr>
                 <a:solidFill>
-                  <a:schemeClr val="tx1"/>
+                  <a:srgbClr val="FF0000"/>
                 </a:solidFill>
               </a:rPr>
               <a:t>CSS</a:t>
@@ -30235,14 +30459,14 @@
             <a:r>
               <a:rPr lang="zh-CN" altLang="en-US">
                 <a:solidFill>
-                  <a:schemeClr val="tx1"/>
+                  <a:srgbClr val="FF0000"/>
                 </a:solidFill>
               </a:rPr>
               <a:t>概述</a:t>
             </a:r>
             <a:endParaRPr lang="zh-CN" altLang="en-US">
               <a:solidFill>
-                <a:schemeClr val="tx1"/>
+                <a:srgbClr val="FF0000"/>
               </a:solidFill>
             </a:endParaRPr>
           </a:p>
@@ -30256,7 +30480,7 @@
               <a:rPr b="1">
                 <a:sym typeface="+mn-ea"/>
               </a:rPr>
-              <a:t>CSS</a:t>
+              <a:t>CSS </a:t>
             </a:r>
             <a:r>
               <a:rPr lang="zh-CN" altLang="en-US">
@@ -30298,7 +30522,7 @@
               <a:rPr>
                 <a:sym typeface="+mn-ea"/>
               </a:rPr>
-              <a:t>CSS</a:t>
+              <a:t>CSS </a:t>
             </a:r>
             <a:r>
               <a:rPr lang="zh-CN" altLang="en-US">
@@ -30382,7 +30606,7 @@
         </p:nvGrpSpPr>
         <p:grpSpPr bwMode="auto">
           <a:xfrm>
-            <a:off x="6278790" y="3278565"/>
+            <a:off x="6410235" y="3278565"/>
             <a:ext cx="3434198" cy="936471"/>
             <a:chOff x="5266089" y="4179368"/>
             <a:chExt cx="2576516" cy="657320"/>
@@ -30845,7 +31069,7 @@
                             </p:stCondLst>
                             <p:childTnLst>
                               <p:par>
-                                <p:cTn id="5" presetID="2" presetClass="entr" presetSubtype="4" fill="hold" nodeType="clickEffect">
+                                <p:cTn id="5" presetID="22" presetClass="entr" presetSubtype="8" fill="hold" nodeType="clickEffect">
                                   <p:stCondLst>
                                     <p:cond delay="0"/>
                                   </p:stCondLst>
@@ -30853,6 +31077,67 @@
                                     <p:set>
                                       <p:cBhvr>
                                         <p:cTn id="6" dur="1" fill="hold">
+                                          <p:stCondLst>
+                                            <p:cond delay="0"/>
+                                          </p:stCondLst>
+                                        </p:cTn>
+                                        <p:tgtEl>
+                                          <p:spTgt spid="3">
+                                            <p:txEl>
+                                              <p:pRg st="2" end="2"/>
+                                            </p:txEl>
+                                          </p:spTgt>
+                                        </p:tgtEl>
+                                        <p:attrNameLst>
+                                          <p:attrName>style.visibility</p:attrName>
+                                        </p:attrNameLst>
+                                      </p:cBhvr>
+                                      <p:to>
+                                        <p:strVal val="visible"/>
+                                      </p:to>
+                                    </p:set>
+                                    <p:animEffect transition="in" filter="wipe(left)">
+                                      <p:cBhvr>
+                                        <p:cTn id="7" dur="500"/>
+                                        <p:tgtEl>
+                                          <p:spTgt spid="3">
+                                            <p:txEl>
+                                              <p:pRg st="2" end="2"/>
+                                            </p:txEl>
+                                          </p:spTgt>
+                                        </p:tgtEl>
+                                      </p:cBhvr>
+                                    </p:animEffect>
+                                  </p:childTnLst>
+                                </p:cTn>
+                              </p:par>
+                            </p:childTnLst>
+                          </p:cTn>
+                        </p:par>
+                      </p:childTnLst>
+                    </p:cTn>
+                  </p:par>
+                  <p:par>
+                    <p:cTn id="8" fill="hold">
+                      <p:stCondLst>
+                        <p:cond delay="indefinite"/>
+                      </p:stCondLst>
+                      <p:childTnLst>
+                        <p:par>
+                          <p:cTn id="9" fill="hold">
+                            <p:stCondLst>
+                              <p:cond delay="0"/>
+                            </p:stCondLst>
+                            <p:childTnLst>
+                              <p:par>
+                                <p:cTn id="10" presetID="2" presetClass="entr" presetSubtype="4" fill="hold" nodeType="clickEffect">
+                                  <p:stCondLst>
+                                    <p:cond delay="0"/>
+                                  </p:stCondLst>
+                                  <p:childTnLst>
+                                    <p:set>
+                                      <p:cBhvr>
+                                        <p:cTn id="11" dur="1" fill="hold">
                                           <p:stCondLst>
                                             <p:cond delay="0"/>
                                           </p:stCondLst>
@@ -30870,7 +31155,7 @@
                                     </p:set>
                                     <p:anim calcmode="lin" valueType="num">
                                       <p:cBhvr additive="base">
-                                        <p:cTn id="7" dur="500" fill="hold"/>
+                                        <p:cTn id="12" dur="500" fill="hold"/>
                                         <p:tgtEl>
                                           <p:spTgt spid="4"/>
                                         </p:tgtEl>
@@ -30893,7 +31178,7 @@
                                     </p:anim>
                                     <p:anim calcmode="lin" valueType="num">
                                       <p:cBhvr additive="base">
-                                        <p:cTn id="8" dur="500" fill="hold"/>
+                                        <p:cTn id="13" dur="500" fill="hold"/>
                                         <p:tgtEl>
                                           <p:spTgt spid="4"/>
                                         </p:tgtEl>
@@ -32598,7 +32883,7 @@
                             </p:stCondLst>
                             <p:childTnLst>
                               <p:par>
-                                <p:cTn id="39" presetID="22" presetClass="entr" presetSubtype="1" fill="hold" nodeType="clickEffect">
+                                <p:cTn id="39" presetID="22" presetClass="entr" presetSubtype="4" fill="hold" nodeType="clickEffect">
                                   <p:stCondLst>
                                     <p:cond delay="0"/>
                                   </p:stCondLst>
@@ -32621,7 +32906,7 @@
                                         <p:strVal val="visible"/>
                                       </p:to>
                                     </p:set>
-                                    <p:animEffect transition="in" filter="wipe(up)">
+                                    <p:animEffect transition="in" filter="wipe(down)">
                                       <p:cBhvr>
                                         <p:cTn id="41" dur="500"/>
                                         <p:tgtEl>
@@ -32719,48 +33004,57 @@
         <p:spPr>
           <a:xfrm>
             <a:off x="638810" y="1085850"/>
-            <a:ext cx="11106785" cy="5076825"/>
+            <a:ext cx="11106785" cy="6093460"/>
           </a:xfrm>
         </p:spPr>
         <p:txBody>
-          <a:bodyPr>
-            <a:normAutofit/>
-          </a:bodyPr>
-          <a:p>
+          <a:bodyPr/>
+          <a:p>
+            <a:r>
+              <a:rPr>
+                <a:solidFill>
+                  <a:srgbClr val="FF0000"/>
+                </a:solidFill>
+                <a:sym typeface="+mn-ea"/>
+              </a:rPr>
+              <a:t>HTML</a:t>
+            </a:r>
+            <a:r>
+              <a:rPr>
+                <a:sym typeface="+mn-ea"/>
+              </a:rPr>
+              <a:t> </a:t>
+            </a:r>
             <a:r>
               <a:rPr lang="zh-CN" altLang="en-US">
                 <a:sym typeface="+mn-ea"/>
               </a:rPr>
-              <a:t>单纯</a:t>
+              <a:t>方法控制元素样式的</a:t>
+            </a:r>
+            <a:r>
+              <a:rPr lang="zh-CN" altLang="en-US">
+                <a:solidFill>
+                  <a:srgbClr val="FF0000"/>
+                </a:solidFill>
+                <a:sym typeface="+mn-ea"/>
+              </a:rPr>
+              <a:t>缺点</a:t>
+            </a:r>
+            <a:r>
+              <a:rPr lang="zh-CN" altLang="en-US">
+                <a:sym typeface="+mn-ea"/>
+              </a:rPr>
+              <a:t>：</a:t>
             </a:r>
             <a:r>
               <a:rPr>
                 <a:sym typeface="+mn-ea"/>
               </a:rPr>
-              <a:t>HTML</a:t>
-            </a:r>
-            <a:r>
-              <a:rPr lang="zh-CN" altLang="en-US">
-                <a:sym typeface="+mn-ea"/>
-              </a:rPr>
-              <a:t>方法控制元素样式的</a:t>
-            </a:r>
-            <a:r>
-              <a:rPr lang="zh-CN" altLang="en-US">
-                <a:solidFill>
-                  <a:srgbClr val="FF0000"/>
-                </a:solidFill>
-                <a:sym typeface="+mn-ea"/>
-              </a:rPr>
-              <a:t>缺点</a:t>
-            </a:r>
-            <a:r>
-              <a:rPr lang="zh-CN" altLang="en-US">
-                <a:sym typeface="+mn-ea"/>
-              </a:rPr>
-              <a:t>：</a:t>
-            </a:r>
-            <a:endParaRPr lang="zh-CN" altLang="en-US"/>
+              <a:t>	</a:t>
+            </a:r>
+            <a:endParaRPr>
+              <a:sym typeface="+mn-ea"/>
+            </a:endParaRPr>
           </a:p>
           <a:p>
             <a:pPr lvl="1"/>
@@ -32833,567 +33127,129 @@
               </a:rPr>
               <a:t>度过高</a:t>
             </a:r>
-            <a:endParaRPr lang="zh-CN" altLang="en-US" dirty="0">
-              <a:latin typeface="微软雅黑" panose="020B0503020204020204" pitchFamily="34" charset="-122"/>
-              <a:ea typeface="微软雅黑" panose="020B0503020204020204" pitchFamily="34" charset="-122"/>
+            <a:endParaRPr>
+              <a:sym typeface="+mn-ea"/>
             </a:endParaRPr>
           </a:p>
           <a:p>
+            <a:r>
+              <a:rPr>
+                <a:solidFill>
+                  <a:srgbClr val="FF0000"/>
+                </a:solidFill>
+                <a:sym typeface="+mn-ea"/>
+              </a:rPr>
+              <a:t>CSS</a:t>
+            </a:r>
+            <a:r>
+              <a:rPr>
+                <a:sym typeface="+mn-ea"/>
+              </a:rPr>
+              <a:t> </a:t>
+            </a:r>
+            <a:r>
+              <a:rPr lang="zh-CN" altLang="en-US">
+                <a:sym typeface="+mn-ea"/>
+              </a:rPr>
+              <a:t>方法控制元素样式的</a:t>
+            </a:r>
+            <a:r>
+              <a:rPr lang="zh-CN" altLang="en-US">
+                <a:solidFill>
+                  <a:srgbClr val="FF0000"/>
+                </a:solidFill>
+                <a:sym typeface="+mn-ea"/>
+              </a:rPr>
+              <a:t>优点</a:t>
+            </a:r>
+            <a:r>
+              <a:rPr lang="zh-CN" altLang="en-US">
+                <a:sym typeface="+mn-ea"/>
+              </a:rPr>
+              <a:t>：</a:t>
+            </a:r>
+            <a:endParaRPr lang="zh-CN" altLang="en-US">
+              <a:sym typeface="+mn-ea"/>
+            </a:endParaRPr>
+          </a:p>
+          <a:p>
             <a:pPr lvl="1"/>
+            <a:r>
+              <a:rPr lang="zh-CN" altLang="en-US">
+                <a:sym typeface="+mn-ea"/>
+              </a:rPr>
+              <a:t>更</a:t>
+            </a:r>
+            <a:r>
+              <a:rPr lang="zh-CN" altLang="en-US">
+                <a:solidFill>
+                  <a:srgbClr val="C00000"/>
+                </a:solidFill>
+                <a:sym typeface="+mn-ea"/>
+              </a:rPr>
+              <a:t>专业</a:t>
+            </a:r>
+            <a:r>
+              <a:rPr lang="zh-CN" altLang="en-US">
+                <a:sym typeface="+mn-ea"/>
+              </a:rPr>
+              <a:t>的样式修饰方法</a:t>
+            </a:r>
             <a:endParaRPr lang="zh-CN" altLang="en-US"/>
           </a:p>
           <a:p>
+            <a:pPr lvl="1"/>
+            <a:r>
+              <a:rPr lang="zh-CN" altLang="en-US">
+                <a:sym typeface="+mn-ea"/>
+              </a:rPr>
+              <a:t>更</a:t>
+            </a:r>
+            <a:r>
+              <a:rPr lang="zh-CN" altLang="en-US">
+                <a:solidFill>
+                  <a:srgbClr val="C00000"/>
+                </a:solidFill>
+                <a:sym typeface="+mn-ea"/>
+              </a:rPr>
+              <a:t>简便</a:t>
+            </a:r>
+            <a:r>
+              <a:rPr lang="zh-CN" altLang="en-US">
+                <a:sym typeface="+mn-ea"/>
+              </a:rPr>
+              <a:t>的样式修饰方法</a:t>
+            </a:r>
             <a:endParaRPr lang="zh-CN" altLang="en-US"/>
           </a:p>
           <a:p>
+            <a:pPr lvl="1"/>
+            <a:r>
+              <a:rPr lang="zh-CN" altLang="en-US">
+                <a:sym typeface="+mn-ea"/>
+              </a:rPr>
+              <a:t>更</a:t>
+            </a:r>
+            <a:r>
+              <a:rPr lang="zh-CN" altLang="en-US">
+                <a:solidFill>
+                  <a:srgbClr val="C00000"/>
+                </a:solidFill>
+                <a:sym typeface="+mn-ea"/>
+              </a:rPr>
+              <a:t>简约</a:t>
+            </a:r>
+            <a:r>
+              <a:rPr lang="zh-CN" altLang="en-US">
+                <a:sym typeface="+mn-ea"/>
+              </a:rPr>
+              <a:t>的布局方法</a:t>
+            </a:r>
             <a:endParaRPr lang="zh-CN" altLang="en-US"/>
           </a:p>
+          <a:p/>
         </p:txBody>
       </p:sp>
-      <p:sp>
-        <p:nvSpPr>
-          <p:cNvPr id="7" name="Rounded Rectangle 2"/>
-          <p:cNvSpPr/>
-          <p:nvPr/>
-        </p:nvSpPr>
-        <p:spPr bwMode="auto">
-          <a:xfrm>
-            <a:off x="1166108" y="3845252"/>
-            <a:ext cx="2740862" cy="864231"/>
-          </a:xfrm>
-          <a:prstGeom prst="roundRect">
-            <a:avLst/>
-          </a:prstGeom>
-          <a:gradFill flip="none" rotWithShape="1">
-            <a:gsLst>
-              <a:gs pos="0">
-                <a:schemeClr val="accent4">
-                  <a:lumMod val="50000"/>
-                </a:schemeClr>
-              </a:gs>
-              <a:gs pos="50000">
-                <a:schemeClr val="accent4">
-                  <a:lumMod val="75000"/>
-                </a:schemeClr>
-              </a:gs>
-              <a:gs pos="100000">
-                <a:schemeClr val="accent4"/>
-              </a:gs>
-            </a:gsLst>
-            <a:lin ang="4200000" scaled="0"/>
-            <a:tileRect/>
-          </a:gradFill>
-          <a:ln>
-            <a:noFill/>
-            <a:headEnd type="none" w="med" len="med"/>
-            <a:tailEnd type="none" w="med" len="med"/>
-          </a:ln>
-          <a:effectLst>
-            <a:outerShdw blurRad="63500" sx="102000" sy="102000" algn="ctr" rotWithShape="0">
-              <a:prstClr val="black">
-                <a:alpha val="29000"/>
-              </a:prstClr>
-            </a:outerShdw>
-          </a:effectLst>
-          <a:scene3d>
-            <a:camera prst="orthographicFront">
-              <a:rot lat="0" lon="0" rev="0"/>
-            </a:camera>
-            <a:lightRig rig="threePt" dir="t">
-              <a:rot lat="0" lon="0" rev="1200000"/>
-            </a:lightRig>
-          </a:scene3d>
-          <a:sp3d/>
-        </p:spPr>
-        <p:style>
-          <a:lnRef idx="0">
-            <a:schemeClr val="accent2"/>
-          </a:lnRef>
-          <a:fillRef idx="3">
-            <a:schemeClr val="accent2"/>
-          </a:fillRef>
-          <a:effectRef idx="3">
-            <a:schemeClr val="accent2"/>
-          </a:effectRef>
-          <a:fontRef idx="minor">
-            <a:schemeClr val="lt1"/>
-          </a:fontRef>
-        </p:style>
-        <p:txBody>
-          <a:bodyPr lIns="108845" tIns="54423" rIns="108845" bIns="54423"/>
-          <a:p>
-            <a:pPr marL="334645" indent="-334645">
-              <a:buFont typeface="Webdings" panose="05030102010509060703" pitchFamily="18" charset="2"/>
-              <a:buChar char="4"/>
-              <a:defRPr/>
-            </a:pPr>
-            <a:r>
-              <a:rPr lang="zh-CN" altLang="en-US" sz="2400" dirty="0">
-                <a:solidFill>
-                  <a:prstClr val="white"/>
-                </a:solidFill>
-                <a:effectLst>
-                  <a:outerShdw blurRad="38100" dist="38100" dir="2700000" algn="tl">
-                    <a:srgbClr val="000000">
-                      <a:alpha val="43137"/>
-                    </a:srgbClr>
-                  </a:outerShdw>
-                </a:effectLst>
-                <a:latin typeface="微软雅黑" panose="020B0503020204020204" pitchFamily="34" charset="-122"/>
-                <a:ea typeface="微软雅黑" panose="020B0503020204020204" pitchFamily="34" charset="-122"/>
-                <a:cs typeface="Segoe UI" panose="020B0502040204020203" pitchFamily="34" charset="0"/>
-              </a:rPr>
-              <a:t>更专业的样式修饰方法</a:t>
-            </a:r>
-            <a:endParaRPr lang="en-US" sz="2400" dirty="0">
-              <a:solidFill>
-                <a:prstClr val="white"/>
-              </a:solidFill>
-              <a:effectLst>
-                <a:outerShdw blurRad="38100" dist="38100" dir="2700000" algn="tl">
-                  <a:srgbClr val="000000">
-                    <a:alpha val="43137"/>
-                  </a:srgbClr>
-                </a:outerShdw>
-              </a:effectLst>
-              <a:latin typeface="微软雅黑" panose="020B0503020204020204" pitchFamily="34" charset="-122"/>
-              <a:ea typeface="微软雅黑" panose="020B0503020204020204" pitchFamily="34" charset="-122"/>
-              <a:cs typeface="Segoe UI" panose="020B0502040204020203" pitchFamily="34" charset="0"/>
-            </a:endParaRPr>
-          </a:p>
-        </p:txBody>
-      </p:sp>
-      <p:sp>
-        <p:nvSpPr>
-          <p:cNvPr id="8" name="Rounded Rectangle 3"/>
-          <p:cNvSpPr/>
-          <p:nvPr/>
-        </p:nvSpPr>
-        <p:spPr bwMode="auto">
-          <a:xfrm>
-            <a:off x="4906825" y="3845252"/>
-            <a:ext cx="2687118" cy="864231"/>
-          </a:xfrm>
-          <a:prstGeom prst="roundRect">
-            <a:avLst/>
-          </a:prstGeom>
-          <a:gradFill flip="none" rotWithShape="1">
-            <a:gsLst>
-              <a:gs pos="0">
-                <a:schemeClr val="accent5">
-                  <a:lumMod val="50000"/>
-                </a:schemeClr>
-              </a:gs>
-              <a:gs pos="50000">
-                <a:schemeClr val="accent5">
-                  <a:lumMod val="75000"/>
-                </a:schemeClr>
-              </a:gs>
-              <a:gs pos="100000">
-                <a:schemeClr val="accent5"/>
-              </a:gs>
-            </a:gsLst>
-            <a:lin ang="4200000" scaled="0"/>
-            <a:tileRect/>
-          </a:gradFill>
-          <a:ln>
-            <a:noFill/>
-            <a:headEnd type="none" w="med" len="med"/>
-            <a:tailEnd type="none" w="med" len="med"/>
-          </a:ln>
-          <a:effectLst>
-            <a:outerShdw blurRad="63500" sx="102000" sy="102000" algn="ctr" rotWithShape="0">
-              <a:prstClr val="black">
-                <a:alpha val="29000"/>
-              </a:prstClr>
-            </a:outerShdw>
-          </a:effectLst>
-          <a:scene3d>
-            <a:camera prst="orthographicFront">
-              <a:rot lat="0" lon="0" rev="0"/>
-            </a:camera>
-            <a:lightRig rig="threePt" dir="t">
-              <a:rot lat="0" lon="0" rev="1200000"/>
-            </a:lightRig>
-          </a:scene3d>
-          <a:sp3d/>
-        </p:spPr>
-        <p:style>
-          <a:lnRef idx="0">
-            <a:schemeClr val="accent2"/>
-          </a:lnRef>
-          <a:fillRef idx="3">
-            <a:schemeClr val="accent2"/>
-          </a:fillRef>
-          <a:effectRef idx="3">
-            <a:schemeClr val="accent2"/>
-          </a:effectRef>
-          <a:fontRef idx="minor">
-            <a:schemeClr val="lt1"/>
-          </a:fontRef>
-        </p:style>
-        <p:txBody>
-          <a:bodyPr lIns="108845" tIns="54423" rIns="108845" bIns="54423"/>
-          <a:p>
-            <a:pPr marL="334645" indent="-334645">
-              <a:buFont typeface="Webdings" panose="05030102010509060703" pitchFamily="18" charset="2"/>
-              <a:buChar char="4"/>
-              <a:defRPr/>
-            </a:pPr>
-            <a:r>
-              <a:rPr lang="zh-CN" altLang="en-US" sz="2400" dirty="0">
-                <a:solidFill>
-                  <a:prstClr val="white"/>
-                </a:solidFill>
-                <a:effectLst>
-                  <a:outerShdw blurRad="38100" dist="38100" dir="2700000" algn="tl">
-                    <a:srgbClr val="000000">
-                      <a:alpha val="43137"/>
-                    </a:srgbClr>
-                  </a:outerShdw>
-                </a:effectLst>
-                <a:latin typeface="微软雅黑" panose="020B0503020204020204" pitchFamily="34" charset="-122"/>
-                <a:ea typeface="微软雅黑" panose="020B0503020204020204" pitchFamily="34" charset="-122"/>
-                <a:cs typeface="Segoe UI" panose="020B0502040204020203" pitchFamily="34" charset="0"/>
-              </a:rPr>
-              <a:t>改一处动全局的方法</a:t>
-            </a:r>
-            <a:endParaRPr lang="zh-CN" altLang="en-US" sz="2400" dirty="0">
-              <a:solidFill>
-                <a:prstClr val="white"/>
-              </a:solidFill>
-              <a:effectLst>
-                <a:outerShdw blurRad="38100" dist="38100" dir="2700000" algn="tl">
-                  <a:srgbClr val="000000">
-                    <a:alpha val="43137"/>
-                  </a:srgbClr>
-                </a:outerShdw>
-              </a:effectLst>
-              <a:latin typeface="微软雅黑" panose="020B0503020204020204" pitchFamily="34" charset="-122"/>
-              <a:ea typeface="微软雅黑" panose="020B0503020204020204" pitchFamily="34" charset="-122"/>
-              <a:cs typeface="Segoe UI" panose="020B0502040204020203" pitchFamily="34" charset="0"/>
-            </a:endParaRPr>
-          </a:p>
-          <a:p>
-            <a:pPr lvl="1">
-              <a:buFont typeface="Arial" panose="020B0604020202020204" pitchFamily="34" charset="0"/>
-              <a:buChar char="•"/>
-              <a:defRPr/>
-            </a:pPr>
-            <a:endParaRPr lang="en-US" altLang="zh-CN" sz="1400" dirty="0">
-              <a:solidFill>
-                <a:srgbClr val="FFFFFF"/>
-              </a:solidFill>
-              <a:effectLst>
-                <a:outerShdw blurRad="38100" dist="38100" dir="2700000" algn="tl">
-                  <a:srgbClr val="C0C0C0"/>
-                </a:outerShdw>
-              </a:effectLst>
-              <a:latin typeface="Segoe UI" panose="020B0502040204020203" pitchFamily="34" charset="0"/>
-              <a:ea typeface="微软雅黑" panose="020B0503020204020204" pitchFamily="34" charset="-122"/>
-              <a:cs typeface="Segoe UI" panose="020B0502040204020203" pitchFamily="34" charset="0"/>
-            </a:endParaRPr>
-          </a:p>
-        </p:txBody>
-      </p:sp>
-      <p:sp>
-        <p:nvSpPr>
-          <p:cNvPr id="9" name="Rounded Rectangle 4"/>
-          <p:cNvSpPr/>
-          <p:nvPr/>
-        </p:nvSpPr>
-        <p:spPr bwMode="auto">
-          <a:xfrm>
-            <a:off x="4853081" y="5014336"/>
-            <a:ext cx="2740862" cy="864231"/>
-          </a:xfrm>
-          <a:prstGeom prst="roundRect">
-            <a:avLst/>
-          </a:prstGeom>
-          <a:gradFill flip="none" rotWithShape="1">
-            <a:gsLst>
-              <a:gs pos="0">
-                <a:schemeClr val="accent6">
-                  <a:lumMod val="50000"/>
-                </a:schemeClr>
-              </a:gs>
-              <a:gs pos="50000">
-                <a:schemeClr val="accent6">
-                  <a:lumMod val="75000"/>
-                </a:schemeClr>
-              </a:gs>
-              <a:gs pos="100000">
-                <a:schemeClr val="accent6"/>
-              </a:gs>
-            </a:gsLst>
-            <a:lin ang="4200000" scaled="0"/>
-            <a:tileRect/>
-          </a:gradFill>
-          <a:ln>
-            <a:noFill/>
-            <a:headEnd type="none" w="med" len="med"/>
-            <a:tailEnd type="none" w="med" len="med"/>
-          </a:ln>
-          <a:effectLst>
-            <a:outerShdw blurRad="63500" sx="102000" sy="102000" algn="ctr" rotWithShape="0">
-              <a:prstClr val="black">
-                <a:alpha val="29000"/>
-              </a:prstClr>
-            </a:outerShdw>
-          </a:effectLst>
-          <a:scene3d>
-            <a:camera prst="orthographicFront">
-              <a:rot lat="0" lon="0" rev="0"/>
-            </a:camera>
-            <a:lightRig rig="threePt" dir="t">
-              <a:rot lat="0" lon="0" rev="1200000"/>
-            </a:lightRig>
-          </a:scene3d>
-          <a:sp3d/>
-        </p:spPr>
-        <p:style>
-          <a:lnRef idx="0">
-            <a:schemeClr val="accent2"/>
-          </a:lnRef>
-          <a:fillRef idx="3">
-            <a:schemeClr val="accent2"/>
-          </a:fillRef>
-          <a:effectRef idx="3">
-            <a:schemeClr val="accent2"/>
-          </a:effectRef>
-          <a:fontRef idx="minor">
-            <a:schemeClr val="lt1"/>
-          </a:fontRef>
-        </p:style>
-        <p:txBody>
-          <a:bodyPr lIns="108845" tIns="54423" rIns="108845" bIns="54423"/>
-          <a:p>
-            <a:pPr marL="337185" indent="-337185">
-              <a:buFont typeface="Webdings" panose="05030102010509060703" pitchFamily="18" charset="2"/>
-              <a:buChar char="4"/>
-              <a:defRPr/>
-            </a:pPr>
-            <a:r>
-              <a:rPr lang="zh-CN" altLang="en-US" sz="2400" dirty="0">
-                <a:solidFill>
-                  <a:prstClr val="white"/>
-                </a:solidFill>
-                <a:effectLst>
-                  <a:outerShdw blurRad="38100" dist="38100" dir="2700000" algn="tl">
-                    <a:srgbClr val="000000">
-                      <a:alpha val="43137"/>
-                    </a:srgbClr>
-                  </a:outerShdw>
-                </a:effectLst>
-                <a:latin typeface="微软雅黑" panose="020B0503020204020204" pitchFamily="34" charset="-122"/>
-                <a:ea typeface="微软雅黑" panose="020B0503020204020204" pitchFamily="34" charset="-122"/>
-                <a:cs typeface="Segoe UI" panose="020B0502040204020203" pitchFamily="34" charset="0"/>
-              </a:rPr>
-              <a:t>更简约的布局方法</a:t>
-            </a:r>
-            <a:endParaRPr lang="en-US" sz="2400" dirty="0">
-              <a:solidFill>
-                <a:prstClr val="white"/>
-              </a:solidFill>
-              <a:effectLst>
-                <a:outerShdw blurRad="38100" dist="38100" dir="2700000" algn="tl">
-                  <a:srgbClr val="000000">
-                    <a:alpha val="43137"/>
-                  </a:srgbClr>
-                </a:outerShdw>
-              </a:effectLst>
-              <a:latin typeface="微软雅黑" panose="020B0503020204020204" pitchFamily="34" charset="-122"/>
-              <a:ea typeface="微软雅黑" panose="020B0503020204020204" pitchFamily="34" charset="-122"/>
-              <a:cs typeface="Segoe UI" panose="020B0502040204020203" pitchFamily="34" charset="0"/>
-            </a:endParaRPr>
-          </a:p>
-        </p:txBody>
-      </p:sp>
-      <p:sp>
-        <p:nvSpPr>
-          <p:cNvPr id="10" name="Rounded Rectangle 5"/>
-          <p:cNvSpPr/>
-          <p:nvPr/>
-        </p:nvSpPr>
-        <p:spPr bwMode="auto">
-          <a:xfrm>
-            <a:off x="1219852" y="5014337"/>
-            <a:ext cx="2687118" cy="864231"/>
-          </a:xfrm>
-          <a:prstGeom prst="roundRect">
-            <a:avLst/>
-          </a:prstGeom>
-          <a:gradFill flip="none" rotWithShape="1">
-            <a:gsLst>
-              <a:gs pos="0">
-                <a:schemeClr val="accent2">
-                  <a:lumMod val="50000"/>
-                </a:schemeClr>
-              </a:gs>
-              <a:gs pos="50000">
-                <a:schemeClr val="accent2">
-                  <a:lumMod val="75000"/>
-                </a:schemeClr>
-              </a:gs>
-              <a:gs pos="100000">
-                <a:schemeClr val="accent2"/>
-              </a:gs>
-            </a:gsLst>
-            <a:lin ang="4200000" scaled="0"/>
-            <a:tileRect/>
-          </a:gradFill>
-          <a:ln>
-            <a:noFill/>
-            <a:headEnd type="none" w="med" len="med"/>
-            <a:tailEnd type="none" w="med" len="med"/>
-          </a:ln>
-          <a:effectLst>
-            <a:outerShdw blurRad="63500" sx="102000" sy="102000" algn="ctr" rotWithShape="0">
-              <a:prstClr val="black">
-                <a:alpha val="29000"/>
-              </a:prstClr>
-            </a:outerShdw>
-          </a:effectLst>
-          <a:scene3d>
-            <a:camera prst="orthographicFront">
-              <a:rot lat="0" lon="0" rev="0"/>
-            </a:camera>
-            <a:lightRig rig="threePt" dir="t">
-              <a:rot lat="0" lon="0" rev="1200000"/>
-            </a:lightRig>
-          </a:scene3d>
-          <a:sp3d/>
-        </p:spPr>
-        <p:style>
-          <a:lnRef idx="0">
-            <a:schemeClr val="accent2"/>
-          </a:lnRef>
-          <a:fillRef idx="3">
-            <a:schemeClr val="accent2"/>
-          </a:fillRef>
-          <a:effectRef idx="3">
-            <a:schemeClr val="accent2"/>
-          </a:effectRef>
-          <a:fontRef idx="minor">
-            <a:schemeClr val="lt1"/>
-          </a:fontRef>
-        </p:style>
-        <p:txBody>
-          <a:bodyPr lIns="108845" tIns="54423" rIns="108845" bIns="54423"/>
-          <a:p>
-            <a:pPr marL="334645" indent="-334645">
-              <a:buFont typeface="Webdings" panose="05030102010509060703" pitchFamily="18" charset="2"/>
-              <a:buChar char="4"/>
-              <a:defRPr/>
-            </a:pPr>
-            <a:r>
-              <a:rPr lang="zh-CN" altLang="en-US" sz="2400" dirty="0">
-                <a:ln w="18415" cmpd="sng">
-                  <a:noFill/>
-                  <a:prstDash val="solid"/>
-                </a:ln>
-                <a:solidFill>
-                  <a:srgbClr val="FFFFFF"/>
-                </a:solidFill>
-                <a:effectLst>
-                  <a:outerShdw blurRad="38100" dist="38100" dir="2700000" algn="tl">
-                    <a:srgbClr val="000000">
-                      <a:alpha val="43137"/>
-                    </a:srgbClr>
-                  </a:outerShdw>
-                </a:effectLst>
-                <a:latin typeface="微软雅黑" panose="020B0503020204020204" pitchFamily="34" charset="-122"/>
-                <a:ea typeface="微软雅黑" panose="020B0503020204020204" pitchFamily="34" charset="-122"/>
-                <a:cs typeface="Segoe UI" panose="020B0502040204020203" pitchFamily="34" charset="0"/>
-              </a:rPr>
-              <a:t>更简便的样式修饰方法</a:t>
-            </a:r>
-            <a:endParaRPr lang="en-US" sz="2400" dirty="0">
-              <a:ln w="18415" cmpd="sng">
-                <a:noFill/>
-                <a:prstDash val="solid"/>
-              </a:ln>
-              <a:solidFill>
-                <a:srgbClr val="FFFFFF"/>
-              </a:solidFill>
-              <a:effectLst>
-                <a:outerShdw blurRad="38100" dist="38100" dir="2700000" algn="tl">
-                  <a:srgbClr val="000000">
-                    <a:alpha val="43137"/>
-                  </a:srgbClr>
-                </a:outerShdw>
-              </a:effectLst>
-              <a:latin typeface="微软雅黑" panose="020B0503020204020204" pitchFamily="34" charset="-122"/>
-              <a:ea typeface="微软雅黑" panose="020B0503020204020204" pitchFamily="34" charset="-122"/>
-              <a:cs typeface="Segoe UI" panose="020B0502040204020203" pitchFamily="34" charset="0"/>
-            </a:endParaRPr>
-          </a:p>
-        </p:txBody>
-      </p:sp>
-      <p:pic>
-        <p:nvPicPr>
-          <p:cNvPr id="11" name="Picture 2"/>
-          <p:cNvPicPr>
-            <a:picLocks noChangeAspect="1" noChangeArrowheads="1"/>
-          </p:cNvPicPr>
-          <p:nvPr/>
-        </p:nvPicPr>
-        <p:blipFill>
-          <a:blip r:embed="rId1">
-            <a:extLst>
-              <a:ext uri="{28A0092B-C50C-407E-A947-70E740481C1C}">
-                <a14:useLocalDpi xmlns:a14="http://schemas.microsoft.com/office/drawing/2010/main" val="0"/>
-              </a:ext>
-            </a:extLst>
-          </a:blip>
-          <a:srcRect/>
-          <a:stretch>
-            <a:fillRect/>
-          </a:stretch>
-        </p:blipFill>
-        <p:spPr bwMode="auto">
-          <a:xfrm>
-            <a:off x="7786813" y="1378285"/>
-            <a:ext cx="3908102" cy="4490724"/>
-          </a:xfrm>
-          <a:prstGeom prst="rect">
-            <a:avLst/>
-          </a:prstGeom>
-          <a:noFill/>
-          <a:ln>
-            <a:noFill/>
-          </a:ln>
-          <a:effectLst/>
-          <a:extLst>
-            <a:ext uri="{909E8E84-426E-40DD-AFC4-6F175D3DCCD1}">
-              <a14:hiddenFill xmlns:a14="http://schemas.microsoft.com/office/drawing/2010/main">
-                <a:solidFill>
-                  <a:schemeClr val="accent1"/>
-                </a:solidFill>
-              </a14:hiddenFill>
-            </a:ext>
-            <a:ext uri="{91240B29-F687-4F45-9708-019B960494DF}">
-              <a14:hiddenLine xmlns:a14="http://schemas.microsoft.com/office/drawing/2010/main" w="9525">
-                <a:solidFill>
-                  <a:schemeClr val="tx1"/>
-                </a:solidFill>
-                <a:miter lim="800000"/>
-                <a:headEnd/>
-                <a:tailEnd/>
-              </a14:hiddenLine>
-            </a:ext>
-            <a:ext uri="{AF507438-7753-43E0-B8FC-AC1667EBCBE1}">
-              <a14:hiddenEffects xmlns:a14="http://schemas.microsoft.com/office/drawing/2010/main">
-                <a:effectLst>
-                  <a:outerShdw dist="35921" dir="2700000" algn="ctr" rotWithShape="0">
-                    <a:schemeClr val="bg2"/>
-                  </a:outerShdw>
-                </a:effectLst>
-              </a14:hiddenEffects>
-            </a:ext>
-          </a:extLst>
-        </p:spPr>
-      </p:pic>
     </p:spTree>
   </p:cSld>
   <p:clrMapOvr>
@@ -33428,7 +33284,7 @@
                             </p:stCondLst>
                             <p:childTnLst>
                               <p:par>
-                                <p:cTn id="5" presetID="1" presetClass="entr" presetSubtype="0" fill="hold" nodeType="clickEffect">
+                                <p:cTn id="5" presetID="2" presetClass="entr" presetSubtype="4" fill="hold" nodeType="clickEffect">
                                   <p:stCondLst>
                                     <p:cond delay="0"/>
                                   </p:stCondLst>
@@ -33443,7 +33299,7 @@
                                         <p:tgtEl>
                                           <p:spTgt spid="3">
                                             <p:txEl>
-                                              <p:pRg st="0" end="0"/>
+                                              <p:pRg st="4" end="4"/>
                                             </p:txEl>
                                           </p:spTgt>
                                         </p:tgtEl>
@@ -33455,42 +33311,65 @@
                                         <p:strVal val="visible"/>
                                       </p:to>
                                     </p:set>
+                                    <p:anim calcmode="lin" valueType="num">
+                                      <p:cBhvr additive="base">
+                                        <p:cTn id="7" dur="500" fill="hold"/>
+                                        <p:tgtEl>
+                                          <p:spTgt spid="3">
+                                            <p:txEl>
+                                              <p:pRg st="4" end="4"/>
+                                            </p:txEl>
+                                          </p:spTgt>
+                                        </p:tgtEl>
+                                        <p:attrNameLst>
+                                          <p:attrName>ppt_x</p:attrName>
+                                        </p:attrNameLst>
+                                      </p:cBhvr>
+                                      <p:tavLst>
+                                        <p:tav tm="0">
+                                          <p:val>
+                                            <p:strVal val="#ppt_x"/>
+                                          </p:val>
+                                        </p:tav>
+                                        <p:tav tm="100000">
+                                          <p:val>
+                                            <p:strVal val="#ppt_x"/>
+                                          </p:val>
+                                        </p:tav>
+                                      </p:tavLst>
+                                    </p:anim>
+                                    <p:anim calcmode="lin" valueType="num">
+                                      <p:cBhvr additive="base">
+                                        <p:cTn id="8" dur="500" fill="hold"/>
+                                        <p:tgtEl>
+                                          <p:spTgt spid="3">
+                                            <p:txEl>
+                                              <p:pRg st="4" end="4"/>
+                                            </p:txEl>
+                                          </p:spTgt>
+                                        </p:tgtEl>
+                                        <p:attrNameLst>
+                                          <p:attrName>ppt_y</p:attrName>
+                                        </p:attrNameLst>
+                                      </p:cBhvr>
+                                      <p:tavLst>
+                                        <p:tav tm="0">
+                                          <p:val>
+                                            <p:strVal val="1+#ppt_h/2"/>
+                                          </p:val>
+                                        </p:tav>
+                                        <p:tav tm="100000">
+                                          <p:val>
+                                            <p:strVal val="#ppt_y"/>
+                                          </p:val>
+                                        </p:tav>
+                                      </p:tavLst>
+                                    </p:anim>
                                   </p:childTnLst>
                                 </p:cTn>
                               </p:par>
                               <p:par>
-                                <p:cTn id="7" presetID="1" presetClass="entr" presetSubtype="0" fill="hold" nodeType="withEffect">
-                                  <p:stCondLst>
-                                    <p:cond delay="0"/>
-                                  </p:stCondLst>
-                                  <p:childTnLst>
-                                    <p:set>
-                                      <p:cBhvr>
-                                        <p:cTn id="8" dur="1" fill="hold">
-                                          <p:stCondLst>
-                                            <p:cond delay="0"/>
-                                          </p:stCondLst>
-                                        </p:cTn>
-                                        <p:tgtEl>
-                                          <p:spTgt spid="3">
-                                            <p:txEl>
-                                              <p:pRg st="1" end="1"/>
-                                            </p:txEl>
-                                          </p:spTgt>
-                                        </p:tgtEl>
-                                        <p:attrNameLst>
-                                          <p:attrName>style.visibility</p:attrName>
-                                        </p:attrNameLst>
-                                      </p:cBhvr>
-                                      <p:to>
-                                        <p:strVal val="visible"/>
-                                      </p:to>
-                                    </p:set>
-                                  </p:childTnLst>
-                                </p:cTn>
-                              </p:par>
-                              <p:par>
-                                <p:cTn id="9" presetID="1" presetClass="entr" presetSubtype="0" fill="hold" nodeType="withEffect">
+                                <p:cTn id="9" presetID="2" presetClass="entr" presetSubtype="4" fill="hold" nodeType="withEffect">
                                   <p:stCondLst>
                                     <p:cond delay="0"/>
                                   </p:stCondLst>
@@ -33505,7 +33384,7 @@
                                         <p:tgtEl>
                                           <p:spTgt spid="3">
                                             <p:txEl>
-                                              <p:pRg st="2" end="2"/>
+                                              <p:pRg st="5" end="5"/>
                                             </p:txEl>
                                           </p:spTgt>
                                         </p:tgtEl>
@@ -33517,18 +33396,72 @@
                                         <p:strVal val="visible"/>
                                       </p:to>
                                     </p:set>
+                                    <p:anim calcmode="lin" valueType="num">
+                                      <p:cBhvr additive="base">
+                                        <p:cTn id="11" dur="500" fill="hold"/>
+                                        <p:tgtEl>
+                                          <p:spTgt spid="3">
+                                            <p:txEl>
+                                              <p:pRg st="5" end="5"/>
+                                            </p:txEl>
+                                          </p:spTgt>
+                                        </p:tgtEl>
+                                        <p:attrNameLst>
+                                          <p:attrName>ppt_x</p:attrName>
+                                        </p:attrNameLst>
+                                      </p:cBhvr>
+                                      <p:tavLst>
+                                        <p:tav tm="0">
+                                          <p:val>
+                                            <p:strVal val="#ppt_x"/>
+                                          </p:val>
+                                        </p:tav>
+                                        <p:tav tm="100000">
+                                          <p:val>
+                                            <p:strVal val="#ppt_x"/>
+                                          </p:val>
+                                        </p:tav>
+                                      </p:tavLst>
+                                    </p:anim>
+                                    <p:anim calcmode="lin" valueType="num">
+                                      <p:cBhvr additive="base">
+                                        <p:cTn id="12" dur="500" fill="hold"/>
+                                        <p:tgtEl>
+                                          <p:spTgt spid="3">
+                                            <p:txEl>
+                                              <p:pRg st="5" end="5"/>
+                                            </p:txEl>
+                                          </p:spTgt>
+                                        </p:tgtEl>
+                                        <p:attrNameLst>
+                                          <p:attrName>ppt_y</p:attrName>
+                                        </p:attrNameLst>
+                                      </p:cBhvr>
+                                      <p:tavLst>
+                                        <p:tav tm="0">
+                                          <p:val>
+                                            <p:strVal val="1+#ppt_h/2"/>
+                                          </p:val>
+                                        </p:tav>
+                                        <p:tav tm="100000">
+                                          <p:val>
+                                            <p:strVal val="#ppt_y"/>
+                                          </p:val>
+                                        </p:tav>
+                                      </p:tavLst>
+                                    </p:anim>
                                   </p:childTnLst>
                                 </p:cTn>
                               </p:par>
                               <p:par>
-                                <p:cTn id="11" presetID="1" presetClass="entr" presetSubtype="0" fill="hold" nodeType="withEffect">
+                                <p:cTn id="13" presetID="2" presetClass="entr" presetSubtype="4" fill="hold" nodeType="withEffect">
                                   <p:stCondLst>
                                     <p:cond delay="0"/>
                                   </p:stCondLst>
                                   <p:childTnLst>
                                     <p:set>
                                       <p:cBhvr>
-                                        <p:cTn id="12" dur="1" fill="hold">
+                                        <p:cTn id="14" dur="1" fill="hold">
                                           <p:stCondLst>
                                             <p:cond delay="0"/>
                                           </p:stCondLst>
@@ -33536,7 +33469,7 @@
                                         <p:tgtEl>
                                           <p:spTgt spid="3">
                                             <p:txEl>
-                                              <p:pRg st="3" end="3"/>
+                                              <p:pRg st="6" end="6"/>
                                             </p:txEl>
                                           </p:spTgt>
                                         </p:tgtEl>
@@ -33548,42 +33481,82 @@
                                         <p:strVal val="visible"/>
                                       </p:to>
                                     </p:set>
+                                    <p:anim calcmode="lin" valueType="num">
+                                      <p:cBhvr additive="base">
+                                        <p:cTn id="15" dur="500" fill="hold"/>
+                                        <p:tgtEl>
+                                          <p:spTgt spid="3">
+                                            <p:txEl>
+                                              <p:pRg st="6" end="6"/>
+                                            </p:txEl>
+                                          </p:spTgt>
+                                        </p:tgtEl>
+                                        <p:attrNameLst>
+                                          <p:attrName>ppt_x</p:attrName>
+                                        </p:attrNameLst>
+                                      </p:cBhvr>
+                                      <p:tavLst>
+                                        <p:tav tm="0">
+                                          <p:val>
+                                            <p:strVal val="#ppt_x"/>
+                                          </p:val>
+                                        </p:tav>
+                                        <p:tav tm="100000">
+                                          <p:val>
+                                            <p:strVal val="#ppt_x"/>
+                                          </p:val>
+                                        </p:tav>
+                                      </p:tavLst>
+                                    </p:anim>
+                                    <p:anim calcmode="lin" valueType="num">
+                                      <p:cBhvr additive="base">
+                                        <p:cTn id="16" dur="500" fill="hold"/>
+                                        <p:tgtEl>
+                                          <p:spTgt spid="3">
+                                            <p:txEl>
+                                              <p:pRg st="6" end="6"/>
+                                            </p:txEl>
+                                          </p:spTgt>
+                                        </p:tgtEl>
+                                        <p:attrNameLst>
+                                          <p:attrName>ppt_y</p:attrName>
+                                        </p:attrNameLst>
+                                      </p:cBhvr>
+                                      <p:tavLst>
+                                        <p:tav tm="0">
+                                          <p:val>
+                                            <p:strVal val="1+#ppt_h/2"/>
+                                          </p:val>
+                                        </p:tav>
+                                        <p:tav tm="100000">
+                                          <p:val>
+                                            <p:strVal val="#ppt_y"/>
+                                          </p:val>
+                                        </p:tav>
+                                      </p:tavLst>
+                                    </p:anim>
                                   </p:childTnLst>
                                 </p:cTn>
                               </p:par>
-                            </p:childTnLst>
-                          </p:cTn>
-                        </p:par>
-                      </p:childTnLst>
-                    </p:cTn>
-                  </p:par>
-                  <p:par>
-                    <p:cTn id="13" fill="hold">
-                      <p:stCondLst>
-                        <p:cond delay="indefinite"/>
-                      </p:stCondLst>
-                      <p:childTnLst>
-                        <p:par>
-                          <p:cTn id="14" fill="hold">
-                            <p:stCondLst>
-                              <p:cond delay="0"/>
-                            </p:stCondLst>
-                            <p:childTnLst>
                               <p:par>
-                                <p:cTn id="15" presetID="1" presetClass="entr" presetSubtype="0" fill="hold" grpId="0" nodeType="clickEffect">
+                                <p:cTn id="17" presetID="2" presetClass="entr" presetSubtype="4" fill="hold" nodeType="withEffect">
                                   <p:stCondLst>
                                     <p:cond delay="0"/>
                                   </p:stCondLst>
                                   <p:childTnLst>
                                     <p:set>
                                       <p:cBhvr>
-                                        <p:cTn id="16" dur="1" fill="hold">
+                                        <p:cTn id="18" dur="1" fill="hold">
                                           <p:stCondLst>
                                             <p:cond delay="0"/>
                                           </p:stCondLst>
                                         </p:cTn>
                                         <p:tgtEl>
-                                          <p:spTgt spid="7"/>
+                                          <p:spTgt spid="3">
+                                            <p:txEl>
+                                              <p:pRg st="7" end="7"/>
+                                            </p:txEl>
+                                          </p:spTgt>
                                         </p:tgtEl>
                                         <p:attrNameLst>
                                           <p:attrName>style.visibility</p:attrName>
@@ -33593,141 +33566,60 @@
                                         <p:strVal val="visible"/>
                                       </p:to>
                                     </p:set>
-                                  </p:childTnLst>
-                                </p:cTn>
-                              </p:par>
-                            </p:childTnLst>
-                          </p:cTn>
-                        </p:par>
-                      </p:childTnLst>
-                    </p:cTn>
-                  </p:par>
-                  <p:par>
-                    <p:cTn id="17" fill="hold">
-                      <p:stCondLst>
-                        <p:cond delay="indefinite"/>
-                      </p:stCondLst>
-                      <p:childTnLst>
-                        <p:par>
-                          <p:cTn id="18" fill="hold">
-                            <p:stCondLst>
-                              <p:cond delay="0"/>
-                            </p:stCondLst>
-                            <p:childTnLst>
-                              <p:par>
-                                <p:cTn id="19" presetID="1" presetClass="entr" presetSubtype="0" fill="hold" grpId="0" nodeType="clickEffect">
-                                  <p:stCondLst>
-                                    <p:cond delay="0"/>
-                                  </p:stCondLst>
-                                  <p:childTnLst>
-                                    <p:set>
-                                      <p:cBhvr>
-                                        <p:cTn id="20" dur="1" fill="hold">
-                                          <p:stCondLst>
-                                            <p:cond delay="0"/>
-                                          </p:stCondLst>
-                                        </p:cTn>
+                                    <p:anim calcmode="lin" valueType="num">
+                                      <p:cBhvr additive="base">
+                                        <p:cTn id="19" dur="500" fill="hold"/>
                                         <p:tgtEl>
-                                          <p:spTgt spid="8"/>
+                                          <p:spTgt spid="3">
+                                            <p:txEl>
+                                              <p:pRg st="7" end="7"/>
+                                            </p:txEl>
+                                          </p:spTgt>
                                         </p:tgtEl>
                                         <p:attrNameLst>
-                                          <p:attrName>style.visibility</p:attrName>
+                                          <p:attrName>ppt_x</p:attrName>
                                         </p:attrNameLst>
                                       </p:cBhvr>
-                                      <p:to>
-                                        <p:strVal val="visible"/>
-                                      </p:to>
-                                    </p:set>
-                                  </p:childTnLst>
-                                </p:cTn>
-                              </p:par>
-                            </p:childTnLst>
-                          </p:cTn>
-                        </p:par>
-                      </p:childTnLst>
-                    </p:cTn>
-                  </p:par>
-                  <p:par>
-                    <p:cTn id="21" fill="hold">
-                      <p:stCondLst>
-                        <p:cond delay="indefinite"/>
-                      </p:stCondLst>
-                      <p:childTnLst>
-                        <p:par>
-                          <p:cTn id="22" fill="hold">
-                            <p:stCondLst>
-                              <p:cond delay="0"/>
-                            </p:stCondLst>
-                            <p:childTnLst>
-                              <p:par>
-                                <p:cTn id="23" presetID="1" presetClass="entr" presetSubtype="0" fill="hold" grpId="0" nodeType="clickEffect">
-                                  <p:stCondLst>
-                                    <p:cond delay="0"/>
-                                  </p:stCondLst>
-                                  <p:childTnLst>
-                                    <p:set>
-                                      <p:cBhvr>
-                                        <p:cTn id="24" dur="1" fill="hold">
-                                          <p:stCondLst>
-                                            <p:cond delay="0"/>
-                                          </p:stCondLst>
-                                        </p:cTn>
+                                      <p:tavLst>
+                                        <p:tav tm="0">
+                                          <p:val>
+                                            <p:strVal val="#ppt_x"/>
+                                          </p:val>
+                                        </p:tav>
+                                        <p:tav tm="100000">
+                                          <p:val>
+                                            <p:strVal val="#ppt_x"/>
+                                          </p:val>
+                                        </p:tav>
+                                      </p:tavLst>
+                                    </p:anim>
+                                    <p:anim calcmode="lin" valueType="num">
+                                      <p:cBhvr additive="base">
+                                        <p:cTn id="20" dur="500" fill="hold"/>
                                         <p:tgtEl>
-                                          <p:spTgt spid="10"/>
+                                          <p:spTgt spid="3">
+                                            <p:txEl>
+                                              <p:pRg st="7" end="7"/>
+                                            </p:txEl>
+                                          </p:spTgt>
                                         </p:tgtEl>
                                         <p:attrNameLst>
-                                          <p:attrName>style.visibility</p:attrName>
+                                          <p:attrName>ppt_y</p:attrName>
                                         </p:attrNameLst>
                                       </p:cBhvr>
-                                      <p:to>
-                                        <p:strVal val="visible"/>
-                                      </p:to>
-                                    </p:set>
-                                  </p:childTnLst>
-                                </p:cTn>
-                              </p:par>
-                            </p:childTnLst>
-                          </p:cTn>
-                        </p:par>
-                      </p:childTnLst>
-                    </p:cTn>
-                  </p:par>
-                  <p:par>
-                    <p:cTn id="25" fill="hold">
-                      <p:stCondLst>
-                        <p:cond delay="indefinite"/>
-                      </p:stCondLst>
-                      <p:childTnLst>
-                        <p:par>
-                          <p:cTn id="26" fill="hold">
-                            <p:stCondLst>
-                              <p:cond delay="0"/>
-                            </p:stCondLst>
-                            <p:childTnLst>
-                              <p:par>
-                                <p:cTn id="27" presetID="1" presetClass="entr" presetSubtype="0" fill="hold" grpId="0" nodeType="clickEffect">
-                                  <p:stCondLst>
-                                    <p:cond delay="0"/>
-                                  </p:stCondLst>
-                                  <p:childTnLst>
-                                    <p:set>
-                                      <p:cBhvr>
-                                        <p:cTn id="28" dur="1" fill="hold">
-                                          <p:stCondLst>
-                                            <p:cond delay="0"/>
-                                          </p:stCondLst>
-                                        </p:cTn>
-                                        <p:tgtEl>
-                                          <p:spTgt spid="9"/>
-                                        </p:tgtEl>
-                                        <p:attrNameLst>
-                                          <p:attrName>style.visibility</p:attrName>
-                                        </p:attrNameLst>
-                                      </p:cBhvr>
-                                      <p:to>
-                                        <p:strVal val="visible"/>
-                                      </p:to>
-                                    </p:set>
+                                      <p:tavLst>
+                                        <p:tav tm="0">
+                                          <p:val>
+                                            <p:strVal val="1+#ppt_h/2"/>
+                                          </p:val>
+                                        </p:tav>
+                                        <p:tav tm="100000">
+                                          <p:val>
+                                            <p:strVal val="#ppt_y"/>
+                                          </p:val>
+                                        </p:tav>
+                                      </p:tavLst>
+                                    </p:anim>
                                   </p:childTnLst>
                                 </p:cTn>
                               </p:par>
@@ -33758,12 +33650,6 @@
         </p:cTn>
       </p:par>
     </p:tnLst>
-    <p:bldLst>
-      <p:bldP spid="7" grpId="0" bldLvl="0" animBg="1"/>
-      <p:bldP spid="8" grpId="0" bldLvl="0" animBg="1"/>
-      <p:bldP spid="9" grpId="0" bldLvl="0" animBg="1"/>
-      <p:bldP spid="10" grpId="0" bldLvl="0" animBg="1"/>
-    </p:bldLst>
   </p:timing>
 </p:sld>
 </file>
@@ -34118,7 +34004,7 @@
             <a:lstStyle/>
             <a:p>
               <a:r>
-                <a:rPr lang="en-US" altLang="zh-CN" sz="2800" dirty="0" smtClean="0">
+                <a:rPr lang="zh-CN" altLang="en-US" sz="2800" dirty="0">
                   <a:solidFill>
                     <a:srgbClr val="595E64"/>
                   </a:solidFill>
@@ -34127,7 +34013,7 @@
                 </a:rPr>
                 <a:t>CSS基础小结</a:t>
               </a:r>
-              <a:endParaRPr lang="en-US" altLang="zh-CN" sz="2800" dirty="0" smtClean="0">
+              <a:endParaRPr lang="zh-CN" altLang="en-US" sz="2800" dirty="0">
                 <a:solidFill>
                   <a:srgbClr val="595E64"/>
                 </a:solidFill>
@@ -34254,7 +34140,7 @@
             </a:bodyPr>
             <a:p>
               <a:r>
-                <a:rPr lang="en-US" altLang="zh-CN" sz="2800" dirty="0" smtClean="0">
+                <a:rPr lang="zh-CN" altLang="en-US" sz="2800" dirty="0">
                   <a:solidFill>
                     <a:srgbClr val="595E64"/>
                   </a:solidFill>
@@ -34619,8 +34505,8 @@
         </p:nvSpPr>
         <p:spPr bwMode="auto">
           <a:xfrm>
-            <a:off x="1830636" y="5095240"/>
-            <a:ext cx="8640960" cy="784830"/>
+            <a:off x="1684655" y="5095240"/>
+            <a:ext cx="8854440" cy="783590"/>
           </a:xfrm>
           <a:prstGeom prst="rect">
             <a:avLst/>
@@ -34761,7 +34647,7 @@
                 <a:latin typeface="微软雅黑" panose="020B0503020204020204" pitchFamily="34" charset="-122"/>
                 <a:ea typeface="微软雅黑" panose="020B0503020204020204" pitchFamily="34" charset="-122"/>
               </a:rPr>
-              <a:t>CSS</a:t>
+              <a:t>CSS </a:t>
             </a:r>
             <a:r>
               <a:rPr lang="zh-CN" altLang="en-US" sz="2300" b="1" dirty="0">
@@ -36389,7 +36275,7 @@
                   <a:srgbClr val="FF0000"/>
                 </a:solidFill>
               </a:rPr>
-              <a:t>CSS</a:t>
+              <a:t>CSS </a:t>
             </a:r>
             <a:r>
               <a:rPr lang="zh-CN" altLang="en-US">
